--- a/portfolio/static/documents/PDE_Sprint_2.pptx
+++ b/portfolio/static/documents/PDE_Sprint_2.pptx
@@ -2,40 +2,41 @@
 <file path=ppt/presentation.xml><?xml version="1.0" encoding="utf-8"?>
 <p:presentation xmlns:a="http://schemas.openxmlformats.org/drawingml/2006/main" xmlns:r="http://schemas.openxmlformats.org/officeDocument/2006/relationships" xmlns:mc="http://schemas.openxmlformats.org/markup-compatibility/2006" xmlns:mv="urn:schemas-microsoft-com:mac:vml" xmlns:p="http://schemas.openxmlformats.org/presentationml/2006/main" xmlns:c="http://schemas.openxmlformats.org/drawingml/2006/chart" xmlns:dgm="http://schemas.openxmlformats.org/drawingml/2006/diagram" xmlns:o="urn:schemas-microsoft-com:office:office" xmlns:v="urn:schemas-microsoft-com:vml" xmlns:pvml="urn:schemas-microsoft-com:office:powerpoint" xmlns:com="http://schemas.openxmlformats.org/drawingml/2006/compatibility" xmlns:p14="http://schemas.microsoft.com/office/powerpoint/2010/main" xmlns:p15="http://schemas.microsoft.com/office/powerpoint/2012/main" xmlns:ahyp="http://schemas.microsoft.com/office/drawing/2018/hyperlinkcolor" autoCompressPictures="0" embedTrueTypeFonts="1" strictFirstAndLastChars="0" saveSubsetFonts="1">
   <p:sldMasterIdLst>
-    <p:sldMasterId id="2147483676" r:id="rId4"/>
+    <p:sldMasterId id="2147483676" r:id="rId5"/>
   </p:sldMasterIdLst>
   <p:notesMasterIdLst>
-    <p:notesMasterId r:id="rId5"/>
+    <p:notesMasterId r:id="rId6"/>
   </p:notesMasterIdLst>
   <p:sldIdLst>
-    <p:sldId id="256" r:id="rId6"/>
-    <p:sldId id="257" r:id="rId7"/>
-    <p:sldId id="258" r:id="rId8"/>
-    <p:sldId id="259" r:id="rId9"/>
-    <p:sldId id="260" r:id="rId10"/>
-    <p:sldId id="261" r:id="rId11"/>
+    <p:sldId id="256" r:id="rId7"/>
+    <p:sldId id="257" r:id="rId8"/>
+    <p:sldId id="258" r:id="rId9"/>
+    <p:sldId id="259" r:id="rId10"/>
+    <p:sldId id="260" r:id="rId11"/>
+    <p:sldId id="261" r:id="rId12"/>
+    <p:sldId id="262" r:id="rId13"/>
   </p:sldIdLst>
   <p:sldSz cy="5143500" cx="9144000"/>
   <p:notesSz cx="6858000" cy="9144000"/>
   <p:embeddedFontLst>
     <p:embeddedFont>
       <p:font typeface="Figtree Black"/>
-      <p:bold r:id="rId12"/>
-      <p:boldItalic r:id="rId13"/>
+      <p:bold r:id="rId14"/>
+      <p:boldItalic r:id="rId15"/>
     </p:embeddedFont>
     <p:embeddedFont>
       <p:font typeface="Hanken Grotesk"/>
-      <p:regular r:id="rId14"/>
-      <p:bold r:id="rId15"/>
-      <p:italic r:id="rId16"/>
-      <p:boldItalic r:id="rId17"/>
+      <p:regular r:id="rId16"/>
+      <p:bold r:id="rId17"/>
+      <p:italic r:id="rId18"/>
+      <p:boldItalic r:id="rId19"/>
     </p:embeddedFont>
     <p:embeddedFont>
       <p:font typeface="Lato"/>
-      <p:regular r:id="rId18"/>
-      <p:bold r:id="rId19"/>
-      <p:italic r:id="rId20"/>
-      <p:boldItalic r:id="rId21"/>
+      <p:regular r:id="rId20"/>
+      <p:bold r:id="rId21"/>
+      <p:italic r:id="rId22"/>
+      <p:boldItalic r:id="rId23"/>
     </p:embeddedFont>
   </p:embeddedFontLst>
   <p:defaultTextStyle>
@@ -830,7 +831,7 @@
       </p:grpSpPr>
       <p:sp>
         <p:nvSpPr>
-          <p:cNvPr id="318" name="Google Shape;318;g31156aac686_0_362:notes"/>
+          <p:cNvPr id="318" name="Google Shape;318;g3119bcd10aa_0_0:notes"/>
           <p:cNvSpPr/>
           <p:nvPr>
             <p:ph idx="2" type="sldImg"/>
@@ -865,7 +866,7 @@
       </p:sp>
       <p:sp>
         <p:nvSpPr>
-          <p:cNvPr id="319" name="Google Shape;319;g31156aac686_0_362:notes"/>
+          <p:cNvPr id="319" name="Google Shape;319;g3119bcd10aa_0_0:notes"/>
           <p:cNvSpPr txBox="1"/>
           <p:nvPr>
             <p:ph idx="1" type="body"/>
@@ -886,7 +887,10 @@
           </a:bodyPr>
           <a:lstStyle/>
           <a:p>
-            <a:pPr indent="0" lvl="0" marL="0" rtl="0" algn="l">
+            <a:pPr indent="0" lvl="0" marL="0" rtl="0" algn="just">
+              <a:lnSpc>
+                <a:spcPct val="115000"/>
+              </a:lnSpc>
               <a:spcBef>
                 <a:spcPts val="0"/>
               </a:spcBef>
@@ -929,7 +933,7 @@
       </p:grpSpPr>
       <p:sp>
         <p:nvSpPr>
-          <p:cNvPr id="327" name="Google Shape;327;g31156aac686_0_649:notes"/>
+          <p:cNvPr id="327" name="Google Shape;327;g31156aac686_0_362:notes"/>
           <p:cNvSpPr/>
           <p:nvPr>
             <p:ph idx="2" type="sldImg"/>
@@ -964,7 +968,7 @@
       </p:sp>
       <p:sp>
         <p:nvSpPr>
-          <p:cNvPr id="328" name="Google Shape;328;g31156aac686_0_649:notes"/>
+          <p:cNvPr id="328" name="Google Shape;328;g31156aac686_0_362:notes"/>
           <p:cNvSpPr txBox="1"/>
           <p:nvPr>
             <p:ph idx="1" type="body"/>
@@ -1014,7 +1018,7 @@
   <p:cSld>
     <p:spTree>
       <p:nvGrpSpPr>
-        <p:cNvPr id="370" name="Shape 370"/>
+        <p:cNvPr id="335" name="Shape 335"/>
         <p:cNvGrpSpPr/>
         <p:nvPr/>
       </p:nvGrpSpPr>
@@ -1028,7 +1032,7 @@
       </p:grpSpPr>
       <p:sp>
         <p:nvSpPr>
-          <p:cNvPr id="371" name="Google Shape;371;g3117459753c_0_129:notes"/>
+          <p:cNvPr id="336" name="Google Shape;336;g31156aac686_0_649:notes"/>
           <p:cNvSpPr/>
           <p:nvPr>
             <p:ph idx="2" type="sldImg"/>
@@ -1063,7 +1067,7 @@
       </p:sp>
       <p:sp>
         <p:nvSpPr>
-          <p:cNvPr id="372" name="Google Shape;372;g3117459753c_0_129:notes"/>
+          <p:cNvPr id="337" name="Google Shape;337;g31156aac686_0_649:notes"/>
           <p:cNvSpPr txBox="1"/>
           <p:nvPr>
             <p:ph idx="1" type="body"/>
@@ -1085,46 +1089,6 @@
           <a:lstStyle/>
           <a:p>
             <a:pPr indent="0" lvl="0" marL="0" rtl="0" algn="l">
-              <a:lnSpc>
-                <a:spcPct val="115000"/>
-              </a:lnSpc>
-              <a:spcBef>
-                <a:spcPts val="0"/>
-              </a:spcBef>
-              <a:spcAft>
-                <a:spcPts val="0"/>
-              </a:spcAft>
-              <a:buClr>
-                <a:schemeClr val="dk1"/>
-              </a:buClr>
-              <a:buSzPts val="1100"/>
-              <a:buFont typeface="Arial"/>
-              <a:buNone/>
-            </a:pPr>
-            <a:r>
-              <a:rPr lang="en" sz="1400">
-                <a:solidFill>
-                  <a:srgbClr val="030712"/>
-                </a:solidFill>
-                <a:latin typeface="Hanken Grotesk"/>
-                <a:ea typeface="Hanken Grotesk"/>
-                <a:cs typeface="Hanken Grotesk"/>
-                <a:sym typeface="Hanken Grotesk"/>
-              </a:rPr>
-              <a:t>Ensuring generated text meets specific requirements while maintaining quality</a:t>
-            </a:r>
-            <a:endParaRPr sz="1400">
-              <a:solidFill>
-                <a:srgbClr val="030712"/>
-              </a:solidFill>
-              <a:latin typeface="Hanken Grotesk"/>
-              <a:ea typeface="Hanken Grotesk"/>
-              <a:cs typeface="Hanken Grotesk"/>
-              <a:sym typeface="Hanken Grotesk"/>
-            </a:endParaRPr>
-          </a:p>
-          <a:p>
-            <a:pPr indent="0" lvl="0" marL="0" rtl="0" algn="l">
               <a:spcBef>
                 <a:spcPts val="0"/>
               </a:spcBef>
@@ -1153,7 +1117,7 @@
   <p:cSld>
     <p:spTree>
       <p:nvGrpSpPr>
-        <p:cNvPr id="404" name="Shape 404"/>
+        <p:cNvPr id="379" name="Shape 379"/>
         <p:cNvGrpSpPr/>
         <p:nvPr/>
       </p:nvGrpSpPr>
@@ -1167,7 +1131,7 @@
       </p:grpSpPr>
       <p:sp>
         <p:nvSpPr>
-          <p:cNvPr id="405" name="Google Shape;405;g31156aac686_0_72:notes"/>
+          <p:cNvPr id="380" name="Google Shape;380;g3117459753c_0_129:notes"/>
           <p:cNvSpPr/>
           <p:nvPr>
             <p:ph idx="2" type="sldImg"/>
@@ -1202,7 +1166,7 @@
       </p:sp>
       <p:sp>
         <p:nvSpPr>
-          <p:cNvPr id="406" name="Google Shape;406;g31156aac686_0_72:notes"/>
+          <p:cNvPr id="381" name="Google Shape;381;g3117459753c_0_129:notes"/>
           <p:cNvSpPr txBox="1"/>
           <p:nvPr>
             <p:ph idx="1" type="body"/>
@@ -1224,6 +1188,46 @@
           <a:lstStyle/>
           <a:p>
             <a:pPr indent="0" lvl="0" marL="0" rtl="0" algn="l">
+              <a:lnSpc>
+                <a:spcPct val="115000"/>
+              </a:lnSpc>
+              <a:spcBef>
+                <a:spcPts val="0"/>
+              </a:spcBef>
+              <a:spcAft>
+                <a:spcPts val="0"/>
+              </a:spcAft>
+              <a:buClr>
+                <a:schemeClr val="dk1"/>
+              </a:buClr>
+              <a:buSzPts val="1100"/>
+              <a:buFont typeface="Arial"/>
+              <a:buNone/>
+            </a:pPr>
+            <a:r>
+              <a:rPr lang="en" sz="1400">
+                <a:solidFill>
+                  <a:srgbClr val="030712"/>
+                </a:solidFill>
+                <a:latin typeface="Hanken Grotesk"/>
+                <a:ea typeface="Hanken Grotesk"/>
+                <a:cs typeface="Hanken Grotesk"/>
+                <a:sym typeface="Hanken Grotesk"/>
+              </a:rPr>
+              <a:t>Ensuring generated text meets specific requirements while maintaining quality</a:t>
+            </a:r>
+            <a:endParaRPr sz="1400">
+              <a:solidFill>
+                <a:srgbClr val="030712"/>
+              </a:solidFill>
+              <a:latin typeface="Hanken Grotesk"/>
+              <a:ea typeface="Hanken Grotesk"/>
+              <a:cs typeface="Hanken Grotesk"/>
+              <a:sym typeface="Hanken Grotesk"/>
+            </a:endParaRPr>
+          </a:p>
+          <a:p>
+            <a:pPr indent="0" lvl="0" marL="0" rtl="0" algn="l">
               <a:spcBef>
                 <a:spcPts val="0"/>
               </a:spcBef>
@@ -1252,7 +1256,7 @@
   <p:cSld>
     <p:spTree>
       <p:nvGrpSpPr>
-        <p:cNvPr id="517" name="Shape 517"/>
+        <p:cNvPr id="413" name="Shape 413"/>
         <p:cNvGrpSpPr/>
         <p:nvPr/>
       </p:nvGrpSpPr>
@@ -1266,7 +1270,7 @@
       </p:grpSpPr>
       <p:sp>
         <p:nvSpPr>
-          <p:cNvPr id="518" name="Google Shape;518;g1340135a080_0_2:notes"/>
+          <p:cNvPr id="414" name="Google Shape;414;g31156aac686_0_72:notes"/>
           <p:cNvSpPr/>
           <p:nvPr>
             <p:ph idx="2" type="sldImg"/>
@@ -1301,7 +1305,106 @@
       </p:sp>
       <p:sp>
         <p:nvSpPr>
-          <p:cNvPr id="519" name="Google Shape;519;g1340135a080_0_2:notes"/>
+          <p:cNvPr id="415" name="Google Shape;415;g31156aac686_0_72:notes"/>
+          <p:cNvSpPr txBox="1"/>
+          <p:nvPr>
+            <p:ph idx="1" type="body"/>
+          </p:nvPr>
+        </p:nvSpPr>
+        <p:spPr>
+          <a:xfrm>
+            <a:off x="685800" y="4343400"/>
+            <a:ext cx="5486400" cy="4114800"/>
+          </a:xfrm>
+          <a:prstGeom prst="rect">
+            <a:avLst/>
+          </a:prstGeom>
+        </p:spPr>
+        <p:txBody>
+          <a:bodyPr anchorCtr="0" anchor="t" bIns="91425" lIns="91425" spcFirstLastPara="1" rIns="91425" wrap="square" tIns="91425">
+            <a:noAutofit/>
+          </a:bodyPr>
+          <a:lstStyle/>
+          <a:p>
+            <a:pPr indent="0" lvl="0" marL="0" rtl="0" algn="l">
+              <a:spcBef>
+                <a:spcPts val="0"/>
+              </a:spcBef>
+              <a:spcAft>
+                <a:spcPts val="0"/>
+              </a:spcAft>
+              <a:buNone/>
+            </a:pPr>
+            <a:r>
+              <a:t/>
+            </a:r>
+            <a:endParaRPr/>
+          </a:p>
+        </p:txBody>
+      </p:sp>
+    </p:spTree>
+  </p:cSld>
+  <p:clrMapOvr>
+    <a:masterClrMapping/>
+  </p:clrMapOvr>
+</p:notes>
+</file>
+
+<file path=ppt/notesSlides/notesSlide7.xml><?xml version="1.0" encoding="utf-8"?>
+<p:notes xmlns:a="http://schemas.openxmlformats.org/drawingml/2006/main" xmlns:r="http://schemas.openxmlformats.org/officeDocument/2006/relationships" xmlns:mc="http://schemas.openxmlformats.org/markup-compatibility/2006" xmlns:mv="urn:schemas-microsoft-com:mac:vml" xmlns:p="http://schemas.openxmlformats.org/presentationml/2006/main" xmlns:c="http://schemas.openxmlformats.org/drawingml/2006/chart" xmlns:dgm="http://schemas.openxmlformats.org/drawingml/2006/diagram" xmlns:o="urn:schemas-microsoft-com:office:office" xmlns:v="urn:schemas-microsoft-com:vml" xmlns:pvml="urn:schemas-microsoft-com:office:powerpoint" xmlns:com="http://schemas.openxmlformats.org/drawingml/2006/compatibility" xmlns:p14="http://schemas.microsoft.com/office/powerpoint/2010/main" xmlns:p15="http://schemas.microsoft.com/office/powerpoint/2012/main" xmlns:ahyp="http://schemas.microsoft.com/office/drawing/2018/hyperlinkcolor" showMasterPhAnim="0" showMasterSp="0">
+  <p:cSld>
+    <p:spTree>
+      <p:nvGrpSpPr>
+        <p:cNvPr id="526" name="Shape 526"/>
+        <p:cNvGrpSpPr/>
+        <p:nvPr/>
+      </p:nvGrpSpPr>
+      <p:grpSpPr>
+        <a:xfrm>
+          <a:off x="0" y="0"/>
+          <a:ext cx="0" cy="0"/>
+          <a:chOff x="0" y="0"/>
+          <a:chExt cx="0" cy="0"/>
+        </a:xfrm>
+      </p:grpSpPr>
+      <p:sp>
+        <p:nvSpPr>
+          <p:cNvPr id="527" name="Google Shape;527;g1340135a080_0_2:notes"/>
+          <p:cNvSpPr/>
+          <p:nvPr>
+            <p:ph idx="2" type="sldImg"/>
+          </p:nvPr>
+        </p:nvSpPr>
+        <p:spPr>
+          <a:xfrm>
+            <a:off x="381300" y="685800"/>
+            <a:ext cx="6096000" cy="3429000"/>
+          </a:xfrm>
+          <a:custGeom>
+            <a:rect b="b" l="l" r="r" t="t"/>
+            <a:pathLst>
+              <a:path extrusionOk="0" h="120000" w="120000">
+                <a:moveTo>
+                  <a:pt x="0" y="0"/>
+                </a:moveTo>
+                <a:lnTo>
+                  <a:pt x="120000" y="0"/>
+                </a:lnTo>
+                <a:lnTo>
+                  <a:pt x="120000" y="120000"/>
+                </a:lnTo>
+                <a:lnTo>
+                  <a:pt x="0" y="120000"/>
+                </a:lnTo>
+                <a:close/>
+              </a:path>
+            </a:pathLst>
+          </a:custGeom>
+        </p:spPr>
+      </p:sp>
+      <p:sp>
+        <p:nvSpPr>
+          <p:cNvPr id="528" name="Google Shape;528;g1340135a080_0_2:notes"/>
           <p:cNvSpPr txBox="1"/>
           <p:nvPr>
             <p:ph idx="1" type="body"/>
@@ -27661,6 +27764,910 @@
         </p:nvSpPr>
         <p:spPr>
           <a:xfrm>
+            <a:off x="720000" y="445025"/>
+            <a:ext cx="7704000" cy="572700"/>
+          </a:xfrm>
+          <a:prstGeom prst="rect">
+            <a:avLst/>
+          </a:prstGeom>
+        </p:spPr>
+        <p:txBody>
+          <a:bodyPr anchorCtr="0" anchor="t" bIns="91425" lIns="91425" spcFirstLastPara="1" rIns="91425" wrap="square" tIns="91425">
+            <a:noAutofit/>
+          </a:bodyPr>
+          <a:lstStyle/>
+          <a:p>
+            <a:pPr indent="0" lvl="0" marL="0" rtl="0" algn="l">
+              <a:spcBef>
+                <a:spcPts val="0"/>
+              </a:spcBef>
+              <a:spcAft>
+                <a:spcPts val="0"/>
+              </a:spcAft>
+              <a:buNone/>
+            </a:pPr>
+            <a:r>
+              <a:rPr lang="en"/>
+              <a:t>Overview</a:t>
+            </a:r>
+            <a:endParaRPr/>
+          </a:p>
+        </p:txBody>
+      </p:sp>
+      <p:sp>
+        <p:nvSpPr>
+          <p:cNvPr id="322" name="Google Shape;322;p31"/>
+          <p:cNvSpPr txBox="1"/>
+          <p:nvPr>
+            <p:ph idx="4294967295" type="body"/>
+          </p:nvPr>
+        </p:nvSpPr>
+        <p:spPr>
+          <a:xfrm>
+            <a:off x="720000" y="1036800"/>
+            <a:ext cx="7704000" cy="502800"/>
+          </a:xfrm>
+          <a:prstGeom prst="rect">
+            <a:avLst/>
+          </a:prstGeom>
+        </p:spPr>
+        <p:txBody>
+          <a:bodyPr anchorCtr="0" anchor="t" bIns="91425" lIns="91425" spcFirstLastPara="1" rIns="91425" wrap="square" tIns="91425">
+            <a:noAutofit/>
+          </a:bodyPr>
+          <a:lstStyle/>
+          <a:p>
+            <a:pPr indent="0" lvl="0" marL="0" rtl="0" algn="l">
+              <a:lnSpc>
+                <a:spcPct val="100000"/>
+              </a:lnSpc>
+              <a:spcBef>
+                <a:spcPts val="0"/>
+              </a:spcBef>
+              <a:spcAft>
+                <a:spcPts val="0"/>
+              </a:spcAft>
+              <a:buNone/>
+            </a:pPr>
+            <a:r>
+              <a:rPr lang="en"/>
+              <a:t>The following outlines the key participants involved in this project.</a:t>
+            </a:r>
+            <a:endParaRPr/>
+          </a:p>
+          <a:p>
+            <a:pPr indent="0" lvl="0" marL="0" rtl="0" algn="l">
+              <a:lnSpc>
+                <a:spcPct val="100000"/>
+              </a:lnSpc>
+              <a:spcBef>
+                <a:spcPts val="0"/>
+              </a:spcBef>
+              <a:spcAft>
+                <a:spcPts val="0"/>
+              </a:spcAft>
+              <a:buNone/>
+            </a:pPr>
+            <a:r>
+              <a:t/>
+            </a:r>
+            <a:endParaRPr/>
+          </a:p>
+        </p:txBody>
+      </p:sp>
+      <p:sp>
+        <p:nvSpPr>
+          <p:cNvPr id="323" name="Google Shape;323;p31"/>
+          <p:cNvSpPr txBox="1"/>
+          <p:nvPr/>
+        </p:nvSpPr>
+        <p:spPr>
+          <a:xfrm>
+            <a:off x="720000" y="4000475"/>
+            <a:ext cx="2144100" cy="461700"/>
+          </a:xfrm>
+          <a:prstGeom prst="rect">
+            <a:avLst/>
+          </a:prstGeom>
+          <a:noFill/>
+          <a:ln>
+            <a:noFill/>
+          </a:ln>
+        </p:spPr>
+        <p:txBody>
+          <a:bodyPr anchorCtr="0" anchor="t" bIns="91425" lIns="91425" spcFirstLastPara="1" rIns="91425" wrap="square" tIns="91425">
+            <a:noAutofit/>
+          </a:bodyPr>
+          <a:lstStyle/>
+          <a:p>
+            <a:pPr indent="0" lvl="0" marL="0" rtl="0" algn="l">
+              <a:lnSpc>
+                <a:spcPct val="115000"/>
+              </a:lnSpc>
+              <a:spcBef>
+                <a:spcPts val="0"/>
+              </a:spcBef>
+              <a:spcAft>
+                <a:spcPts val="0"/>
+              </a:spcAft>
+              <a:buNone/>
+            </a:pPr>
+            <a:r>
+              <a:rPr lang="en" sz="1000">
+                <a:solidFill>
+                  <a:schemeClr val="dk1"/>
+                </a:solidFill>
+                <a:latin typeface="Hanken Grotesk"/>
+                <a:ea typeface="Hanken Grotesk"/>
+                <a:cs typeface="Hanken Grotesk"/>
+                <a:sym typeface="Hanken Grotesk"/>
+              </a:rPr>
+              <a:t>For more info:</a:t>
+            </a:r>
+            <a:br>
+              <a:rPr lang="en" sz="800">
+                <a:solidFill>
+                  <a:schemeClr val="dk1"/>
+                </a:solidFill>
+                <a:latin typeface="Hanken Grotesk"/>
+                <a:ea typeface="Hanken Grotesk"/>
+                <a:cs typeface="Hanken Grotesk"/>
+                <a:sym typeface="Hanken Grotesk"/>
+              </a:rPr>
+            </a:br>
+            <a:r>
+              <a:rPr b="1" lang="en" sz="1000" u="sng">
+                <a:solidFill>
+                  <a:schemeClr val="hlink"/>
+                </a:solidFill>
+                <a:latin typeface="Hanken Grotesk"/>
+                <a:ea typeface="Hanken Grotesk"/>
+                <a:cs typeface="Hanken Grotesk"/>
+                <a:sym typeface="Hanken Grotesk"/>
+                <a:hlinkClick r:id="rId3"/>
+              </a:rPr>
+              <a:t>Portfolio</a:t>
+            </a:r>
+            <a:endParaRPr b="1" sz="1000" u="sng">
+              <a:solidFill>
+                <a:schemeClr val="dk1"/>
+              </a:solidFill>
+              <a:latin typeface="Hanken Grotesk"/>
+              <a:ea typeface="Hanken Grotesk"/>
+              <a:cs typeface="Hanken Grotesk"/>
+              <a:sym typeface="Hanken Grotesk"/>
+            </a:endParaRPr>
+          </a:p>
+        </p:txBody>
+      </p:sp>
+      <p:graphicFrame>
+        <p:nvGraphicFramePr>
+          <p:cNvPr id="324" name="Google Shape;324;p31"/>
+          <p:cNvGraphicFramePr/>
+          <p:nvPr/>
+        </p:nvGraphicFramePr>
+        <p:xfrm>
+          <a:off x="726775" y="1536810"/>
+          <a:ext cx="3000000" cy="3000000"/>
+        </p:xfrm>
+        <a:graphic>
+          <a:graphicData uri="http://schemas.openxmlformats.org/drawingml/2006/table">
+            <a:tbl>
+              <a:tblPr>
+                <a:noFill/>
+                <a:tableStyleId>{7E7CD212-CAD2-416F-AD15-FAB83104935A}</a:tableStyleId>
+              </a:tblPr>
+              <a:tblGrid>
+                <a:gridCol w="1267875"/>
+                <a:gridCol w="6436125"/>
+              </a:tblGrid>
+              <a:tr h="384050">
+                <a:tc>
+                  <a:txBody>
+                    <a:bodyPr/>
+                    <a:lstStyle/>
+                    <a:p>
+                      <a:pPr indent="0" lvl="0" marL="0" rtl="0" algn="l">
+                        <a:spcBef>
+                          <a:spcPts val="0"/>
+                        </a:spcBef>
+                        <a:spcAft>
+                          <a:spcPts val="0"/>
+                        </a:spcAft>
+                        <a:buNone/>
+                      </a:pPr>
+                      <a:r>
+                        <a:rPr lang="en" sz="1200" u="sng">
+                          <a:solidFill>
+                            <a:schemeClr val="dk1"/>
+                          </a:solidFill>
+                          <a:latin typeface="Figtree Black"/>
+                          <a:ea typeface="Figtree Black"/>
+                          <a:cs typeface="Figtree Black"/>
+                          <a:sym typeface="Figtree Black"/>
+                        </a:rPr>
+                        <a:t>Student</a:t>
+                      </a:r>
+                      <a:endParaRPr sz="1200" u="sng">
+                        <a:solidFill>
+                          <a:schemeClr val="dk1"/>
+                        </a:solidFill>
+                        <a:latin typeface="Figtree Black"/>
+                        <a:ea typeface="Figtree Black"/>
+                        <a:cs typeface="Figtree Black"/>
+                        <a:sym typeface="Figtree Black"/>
+                      </a:endParaRPr>
+                    </a:p>
+                  </a:txBody>
+                  <a:tcPr marT="91425" marB="91425" marR="91425" marL="91425">
+                    <a:lnL cap="flat" cmpd="sng" w="19050">
+                      <a:solidFill>
+                        <a:schemeClr val="dk1"/>
+                      </a:solidFill>
+                      <a:prstDash val="solid"/>
+                      <a:round/>
+                      <a:headEnd len="sm" w="sm" type="none"/>
+                      <a:tailEnd len="sm" w="sm" type="none"/>
+                    </a:lnL>
+                    <a:lnR cap="flat" cmpd="sng" w="19050">
+                      <a:solidFill>
+                        <a:schemeClr val="dk1"/>
+                      </a:solidFill>
+                      <a:prstDash val="solid"/>
+                      <a:round/>
+                      <a:headEnd len="sm" w="sm" type="none"/>
+                      <a:tailEnd len="sm" w="sm" type="none"/>
+                    </a:lnR>
+                    <a:lnT cap="flat" cmpd="sng" w="19050">
+                      <a:solidFill>
+                        <a:schemeClr val="dk1"/>
+                      </a:solidFill>
+                      <a:prstDash val="solid"/>
+                      <a:round/>
+                      <a:headEnd len="sm" w="sm" type="none"/>
+                      <a:tailEnd len="sm" w="sm" type="none"/>
+                    </a:lnT>
+                    <a:lnB cap="flat" cmpd="sng" w="19050">
+                      <a:solidFill>
+                        <a:schemeClr val="dk1"/>
+                      </a:solidFill>
+                      <a:prstDash val="solid"/>
+                      <a:round/>
+                      <a:headEnd len="sm" w="sm" type="none"/>
+                      <a:tailEnd len="sm" w="sm" type="none"/>
+                    </a:lnB>
+                    <a:solidFill>
+                      <a:schemeClr val="dk2"/>
+                    </a:solidFill>
+                  </a:tcPr>
+                </a:tc>
+                <a:tc>
+                  <a:txBody>
+                    <a:bodyPr/>
+                    <a:lstStyle/>
+                    <a:p>
+                      <a:pPr indent="0" lvl="0" marL="0" rtl="0" algn="l">
+                        <a:spcBef>
+                          <a:spcPts val="0"/>
+                        </a:spcBef>
+                        <a:spcAft>
+                          <a:spcPts val="1600"/>
+                        </a:spcAft>
+                        <a:buNone/>
+                      </a:pPr>
+                      <a:r>
+                        <a:rPr lang="en" sz="1200">
+                          <a:solidFill>
+                            <a:schemeClr val="dk1"/>
+                          </a:solidFill>
+                          <a:latin typeface="Hanken Grotesk"/>
+                          <a:ea typeface="Hanken Grotesk"/>
+                          <a:cs typeface="Hanken Grotesk"/>
+                          <a:sym typeface="Hanken Grotesk"/>
+                        </a:rPr>
+                        <a:t>Daniel Jorge Bernardo Ferreira</a:t>
+                      </a:r>
+                      <a:endParaRPr sz="1200">
+                        <a:solidFill>
+                          <a:schemeClr val="dk1"/>
+                        </a:solidFill>
+                        <a:latin typeface="Hanken Grotesk"/>
+                        <a:ea typeface="Hanken Grotesk"/>
+                        <a:cs typeface="Hanken Grotesk"/>
+                        <a:sym typeface="Hanken Grotesk"/>
+                      </a:endParaRPr>
+                    </a:p>
+                  </a:txBody>
+                  <a:tcPr marT="91425" marB="91425" marR="91425" marL="91425">
+                    <a:lnL cap="flat" cmpd="sng" w="19050">
+                      <a:solidFill>
+                        <a:schemeClr val="dk1"/>
+                      </a:solidFill>
+                      <a:prstDash val="solid"/>
+                      <a:round/>
+                      <a:headEnd len="sm" w="sm" type="none"/>
+                      <a:tailEnd len="sm" w="sm" type="none"/>
+                    </a:lnL>
+                    <a:lnR cap="flat" cmpd="sng" w="19050">
+                      <a:solidFill>
+                        <a:schemeClr val="dk1"/>
+                      </a:solidFill>
+                      <a:prstDash val="solid"/>
+                      <a:round/>
+                      <a:headEnd len="sm" w="sm" type="none"/>
+                      <a:tailEnd len="sm" w="sm" type="none"/>
+                    </a:lnR>
+                    <a:lnT cap="flat" cmpd="sng" w="19050">
+                      <a:solidFill>
+                        <a:schemeClr val="dk1"/>
+                      </a:solidFill>
+                      <a:prstDash val="solid"/>
+                      <a:round/>
+                      <a:headEnd len="sm" w="sm" type="none"/>
+                      <a:tailEnd len="sm" w="sm" type="none"/>
+                    </a:lnT>
+                    <a:lnB cap="flat" cmpd="sng" w="19050">
+                      <a:solidFill>
+                        <a:schemeClr val="dk1"/>
+                      </a:solidFill>
+                      <a:prstDash val="solid"/>
+                      <a:round/>
+                      <a:headEnd len="sm" w="sm" type="none"/>
+                      <a:tailEnd len="sm" w="sm" type="none"/>
+                    </a:lnB>
+                  </a:tcPr>
+                </a:tc>
+              </a:tr>
+              <a:tr h="385575">
+                <a:tc>
+                  <a:txBody>
+                    <a:bodyPr/>
+                    <a:lstStyle/>
+                    <a:p>
+                      <a:pPr indent="0" lvl="0" marL="0" rtl="0" algn="l">
+                        <a:spcBef>
+                          <a:spcPts val="0"/>
+                        </a:spcBef>
+                        <a:spcAft>
+                          <a:spcPts val="0"/>
+                        </a:spcAft>
+                        <a:buNone/>
+                      </a:pPr>
+                      <a:r>
+                        <a:rPr lang="en" sz="1200" u="sng">
+                          <a:solidFill>
+                            <a:schemeClr val="dk1"/>
+                          </a:solidFill>
+                          <a:latin typeface="Figtree Black"/>
+                          <a:ea typeface="Figtree Black"/>
+                          <a:cs typeface="Figtree Black"/>
+                          <a:sym typeface="Figtree Black"/>
+                        </a:rPr>
+                        <a:t>Supervisor</a:t>
+                      </a:r>
+                      <a:endParaRPr sz="1200" u="sng">
+                        <a:solidFill>
+                          <a:schemeClr val="dk1"/>
+                        </a:solidFill>
+                        <a:latin typeface="Figtree Black"/>
+                        <a:ea typeface="Figtree Black"/>
+                        <a:cs typeface="Figtree Black"/>
+                        <a:sym typeface="Figtree Black"/>
+                      </a:endParaRPr>
+                    </a:p>
+                  </a:txBody>
+                  <a:tcPr marT="91425" marB="91425" marR="91425" marL="91425">
+                    <a:lnL cap="flat" cmpd="sng" w="19050">
+                      <a:solidFill>
+                        <a:schemeClr val="dk1"/>
+                      </a:solidFill>
+                      <a:prstDash val="solid"/>
+                      <a:round/>
+                      <a:headEnd len="sm" w="sm" type="none"/>
+                      <a:tailEnd len="sm" w="sm" type="none"/>
+                    </a:lnL>
+                    <a:lnR cap="flat" cmpd="sng" w="19050">
+                      <a:solidFill>
+                        <a:schemeClr val="dk1"/>
+                      </a:solidFill>
+                      <a:prstDash val="solid"/>
+                      <a:round/>
+                      <a:headEnd len="sm" w="sm" type="none"/>
+                      <a:tailEnd len="sm" w="sm" type="none"/>
+                    </a:lnR>
+                    <a:lnT cap="flat" cmpd="sng" w="19050">
+                      <a:solidFill>
+                        <a:schemeClr val="dk1"/>
+                      </a:solidFill>
+                      <a:prstDash val="solid"/>
+                      <a:round/>
+                      <a:headEnd len="sm" w="sm" type="none"/>
+                      <a:tailEnd len="sm" w="sm" type="none"/>
+                    </a:lnT>
+                    <a:lnB cap="flat" cmpd="sng" w="19050">
+                      <a:solidFill>
+                        <a:schemeClr val="dk1"/>
+                      </a:solidFill>
+                      <a:prstDash val="solid"/>
+                      <a:round/>
+                      <a:headEnd len="sm" w="sm" type="none"/>
+                      <a:tailEnd len="sm" w="sm" type="none"/>
+                    </a:lnB>
+                    <a:solidFill>
+                      <a:schemeClr val="dk2"/>
+                    </a:solidFill>
+                  </a:tcPr>
+                </a:tc>
+                <a:tc>
+                  <a:txBody>
+                    <a:bodyPr/>
+                    <a:lstStyle/>
+                    <a:p>
+                      <a:pPr indent="0" lvl="0" marL="0" rtl="0" algn="l">
+                        <a:spcBef>
+                          <a:spcPts val="0"/>
+                        </a:spcBef>
+                        <a:spcAft>
+                          <a:spcPts val="1600"/>
+                        </a:spcAft>
+                        <a:buNone/>
+                      </a:pPr>
+                      <a:r>
+                        <a:rPr lang="en" sz="1200">
+                          <a:solidFill>
+                            <a:schemeClr val="dk1"/>
+                          </a:solidFill>
+                          <a:latin typeface="Hanken Grotesk"/>
+                          <a:ea typeface="Hanken Grotesk"/>
+                          <a:cs typeface="Hanken Grotesk"/>
+                          <a:sym typeface="Hanken Grotesk"/>
+                        </a:rPr>
+                        <a:t>Sérgio Matos</a:t>
+                      </a:r>
+                      <a:endParaRPr sz="1200">
+                        <a:solidFill>
+                          <a:schemeClr val="dk1"/>
+                        </a:solidFill>
+                        <a:latin typeface="Hanken Grotesk"/>
+                        <a:ea typeface="Hanken Grotesk"/>
+                        <a:cs typeface="Hanken Grotesk"/>
+                        <a:sym typeface="Hanken Grotesk"/>
+                      </a:endParaRPr>
+                    </a:p>
+                  </a:txBody>
+                  <a:tcPr marT="91425" marB="91425" marR="91425" marL="91425">
+                    <a:lnL cap="flat" cmpd="sng" w="19050">
+                      <a:solidFill>
+                        <a:schemeClr val="dk1"/>
+                      </a:solidFill>
+                      <a:prstDash val="solid"/>
+                      <a:round/>
+                      <a:headEnd len="sm" w="sm" type="none"/>
+                      <a:tailEnd len="sm" w="sm" type="none"/>
+                    </a:lnL>
+                    <a:lnR cap="flat" cmpd="sng" w="19050">
+                      <a:solidFill>
+                        <a:schemeClr val="dk1"/>
+                      </a:solidFill>
+                      <a:prstDash val="solid"/>
+                      <a:round/>
+                      <a:headEnd len="sm" w="sm" type="none"/>
+                      <a:tailEnd len="sm" w="sm" type="none"/>
+                    </a:lnR>
+                    <a:lnT cap="flat" cmpd="sng" w="19050">
+                      <a:solidFill>
+                        <a:schemeClr val="dk1"/>
+                      </a:solidFill>
+                      <a:prstDash val="solid"/>
+                      <a:round/>
+                      <a:headEnd len="sm" w="sm" type="none"/>
+                      <a:tailEnd len="sm" w="sm" type="none"/>
+                    </a:lnT>
+                    <a:lnB cap="flat" cmpd="sng" w="19050">
+                      <a:solidFill>
+                        <a:schemeClr val="dk1"/>
+                      </a:solidFill>
+                      <a:prstDash val="solid"/>
+                      <a:round/>
+                      <a:headEnd len="sm" w="sm" type="none"/>
+                      <a:tailEnd len="sm" w="sm" type="none"/>
+                    </a:lnB>
+                  </a:tcPr>
+                </a:tc>
+              </a:tr>
+              <a:tr h="385575">
+                <a:tc>
+                  <a:txBody>
+                    <a:bodyPr/>
+                    <a:lstStyle/>
+                    <a:p>
+                      <a:pPr indent="0" lvl="0" marL="0" rtl="0" algn="l">
+                        <a:spcBef>
+                          <a:spcPts val="0"/>
+                        </a:spcBef>
+                        <a:spcAft>
+                          <a:spcPts val="0"/>
+                        </a:spcAft>
+                        <a:buNone/>
+                      </a:pPr>
+                      <a:r>
+                        <a:rPr lang="en" sz="1200" u="sng">
+                          <a:solidFill>
+                            <a:schemeClr val="dk1"/>
+                          </a:solidFill>
+                          <a:latin typeface="Figtree Black"/>
+                          <a:ea typeface="Figtree Black"/>
+                          <a:cs typeface="Figtree Black"/>
+                          <a:sym typeface="Figtree Black"/>
+                        </a:rPr>
+                        <a:t>Co-supervisor</a:t>
+                      </a:r>
+                      <a:endParaRPr sz="1200" u="sng">
+                        <a:solidFill>
+                          <a:schemeClr val="dk1"/>
+                        </a:solidFill>
+                        <a:latin typeface="Figtree Black"/>
+                        <a:ea typeface="Figtree Black"/>
+                        <a:cs typeface="Figtree Black"/>
+                        <a:sym typeface="Figtree Black"/>
+                      </a:endParaRPr>
+                    </a:p>
+                  </a:txBody>
+                  <a:tcPr marT="91425" marB="91425" marR="91425" marL="91425">
+                    <a:lnL cap="flat" cmpd="sng" w="19050">
+                      <a:solidFill>
+                        <a:schemeClr val="dk1"/>
+                      </a:solidFill>
+                      <a:prstDash val="solid"/>
+                      <a:round/>
+                      <a:headEnd len="sm" w="sm" type="none"/>
+                      <a:tailEnd len="sm" w="sm" type="none"/>
+                    </a:lnL>
+                    <a:lnR cap="flat" cmpd="sng" w="19050">
+                      <a:solidFill>
+                        <a:schemeClr val="dk1"/>
+                      </a:solidFill>
+                      <a:prstDash val="solid"/>
+                      <a:round/>
+                      <a:headEnd len="sm" w="sm" type="none"/>
+                      <a:tailEnd len="sm" w="sm" type="none"/>
+                    </a:lnR>
+                    <a:lnT cap="flat" cmpd="sng" w="19050">
+                      <a:solidFill>
+                        <a:schemeClr val="dk1"/>
+                      </a:solidFill>
+                      <a:prstDash val="solid"/>
+                      <a:round/>
+                      <a:headEnd len="sm" w="sm" type="none"/>
+                      <a:tailEnd len="sm" w="sm" type="none"/>
+                    </a:lnT>
+                    <a:lnB cap="flat" cmpd="sng" w="19050">
+                      <a:solidFill>
+                        <a:schemeClr val="dk1"/>
+                      </a:solidFill>
+                      <a:prstDash val="solid"/>
+                      <a:round/>
+                      <a:headEnd len="sm" w="sm" type="none"/>
+                      <a:tailEnd len="sm" w="sm" type="none"/>
+                    </a:lnB>
+                    <a:solidFill>
+                      <a:schemeClr val="dk2"/>
+                    </a:solidFill>
+                  </a:tcPr>
+                </a:tc>
+                <a:tc>
+                  <a:txBody>
+                    <a:bodyPr/>
+                    <a:lstStyle/>
+                    <a:p>
+                      <a:pPr indent="0" lvl="0" marL="0" rtl="0" algn="l">
+                        <a:spcBef>
+                          <a:spcPts val="0"/>
+                        </a:spcBef>
+                        <a:spcAft>
+                          <a:spcPts val="1600"/>
+                        </a:spcAft>
+                        <a:buNone/>
+                      </a:pPr>
+                      <a:r>
+                        <a:rPr lang="en" sz="1200">
+                          <a:solidFill>
+                            <a:schemeClr val="dk1"/>
+                          </a:solidFill>
+                          <a:latin typeface="Hanken Grotesk"/>
+                          <a:ea typeface="Hanken Grotesk"/>
+                          <a:cs typeface="Hanken Grotesk"/>
+                          <a:sym typeface="Hanken Grotesk"/>
+                        </a:rPr>
+                        <a:t>Tiago Almeida</a:t>
+                      </a:r>
+                      <a:endParaRPr sz="1200">
+                        <a:solidFill>
+                          <a:schemeClr val="dk1"/>
+                        </a:solidFill>
+                        <a:latin typeface="Hanken Grotesk"/>
+                        <a:ea typeface="Hanken Grotesk"/>
+                        <a:cs typeface="Hanken Grotesk"/>
+                        <a:sym typeface="Hanken Grotesk"/>
+                      </a:endParaRPr>
+                    </a:p>
+                  </a:txBody>
+                  <a:tcPr marT="91425" marB="91425" marR="91425" marL="91425">
+                    <a:lnL cap="flat" cmpd="sng" w="19050">
+                      <a:solidFill>
+                        <a:schemeClr val="dk1"/>
+                      </a:solidFill>
+                      <a:prstDash val="solid"/>
+                      <a:round/>
+                      <a:headEnd len="sm" w="sm" type="none"/>
+                      <a:tailEnd len="sm" w="sm" type="none"/>
+                    </a:lnL>
+                    <a:lnR cap="flat" cmpd="sng" w="19050">
+                      <a:solidFill>
+                        <a:schemeClr val="dk1"/>
+                      </a:solidFill>
+                      <a:prstDash val="solid"/>
+                      <a:round/>
+                      <a:headEnd len="sm" w="sm" type="none"/>
+                      <a:tailEnd len="sm" w="sm" type="none"/>
+                    </a:lnR>
+                    <a:lnT cap="flat" cmpd="sng" w="19050">
+                      <a:solidFill>
+                        <a:schemeClr val="dk1"/>
+                      </a:solidFill>
+                      <a:prstDash val="solid"/>
+                      <a:round/>
+                      <a:headEnd len="sm" w="sm" type="none"/>
+                      <a:tailEnd len="sm" w="sm" type="none"/>
+                    </a:lnT>
+                    <a:lnB cap="flat" cmpd="sng" w="19050">
+                      <a:solidFill>
+                        <a:schemeClr val="dk1"/>
+                      </a:solidFill>
+                      <a:prstDash val="solid"/>
+                      <a:round/>
+                      <a:headEnd len="sm" w="sm" type="none"/>
+                      <a:tailEnd len="sm" w="sm" type="none"/>
+                    </a:lnB>
+                  </a:tcPr>
+                </a:tc>
+              </a:tr>
+              <a:tr h="821975">
+                <a:tc>
+                  <a:txBody>
+                    <a:bodyPr/>
+                    <a:lstStyle/>
+                    <a:p>
+                      <a:pPr indent="0" lvl="0" marL="0" rtl="0" algn="l">
+                        <a:spcBef>
+                          <a:spcPts val="0"/>
+                        </a:spcBef>
+                        <a:spcAft>
+                          <a:spcPts val="0"/>
+                        </a:spcAft>
+                        <a:buNone/>
+                      </a:pPr>
+                      <a:r>
+                        <a:rPr lang="en" sz="1200" u="sng">
+                          <a:solidFill>
+                            <a:schemeClr val="dk1"/>
+                          </a:solidFill>
+                          <a:latin typeface="Figtree Black"/>
+                          <a:ea typeface="Figtree Black"/>
+                          <a:cs typeface="Figtree Black"/>
+                          <a:sym typeface="Figtree Black"/>
+                        </a:rPr>
+                        <a:t>Summary</a:t>
+                      </a:r>
+                      <a:endParaRPr sz="1200" u="sng">
+                        <a:solidFill>
+                          <a:schemeClr val="dk1"/>
+                        </a:solidFill>
+                        <a:latin typeface="Figtree Black"/>
+                        <a:ea typeface="Figtree Black"/>
+                        <a:cs typeface="Figtree Black"/>
+                        <a:sym typeface="Figtree Black"/>
+                      </a:endParaRPr>
+                    </a:p>
+                  </a:txBody>
+                  <a:tcPr marT="91425" marB="91425" marR="91425" marL="91425">
+                    <a:lnL cap="flat" cmpd="sng" w="19050">
+                      <a:solidFill>
+                        <a:schemeClr val="dk1"/>
+                      </a:solidFill>
+                      <a:prstDash val="solid"/>
+                      <a:round/>
+                      <a:headEnd len="sm" w="sm" type="none"/>
+                      <a:tailEnd len="sm" w="sm" type="none"/>
+                    </a:lnL>
+                    <a:lnR cap="flat" cmpd="sng" w="19050">
+                      <a:solidFill>
+                        <a:schemeClr val="dk1"/>
+                      </a:solidFill>
+                      <a:prstDash val="solid"/>
+                      <a:round/>
+                      <a:headEnd len="sm" w="sm" type="none"/>
+                      <a:tailEnd len="sm" w="sm" type="none"/>
+                    </a:lnR>
+                    <a:lnT cap="flat" cmpd="sng" w="19050">
+                      <a:solidFill>
+                        <a:schemeClr val="dk1"/>
+                      </a:solidFill>
+                      <a:prstDash val="solid"/>
+                      <a:round/>
+                      <a:headEnd len="sm" w="sm" type="none"/>
+                      <a:tailEnd len="sm" w="sm" type="none"/>
+                    </a:lnT>
+                    <a:lnB cap="flat" cmpd="sng" w="19050">
+                      <a:solidFill>
+                        <a:schemeClr val="dk1"/>
+                      </a:solidFill>
+                      <a:prstDash val="solid"/>
+                      <a:round/>
+                      <a:headEnd len="sm" w="sm" type="none"/>
+                      <a:tailEnd len="sm" w="sm" type="none"/>
+                    </a:lnB>
+                    <a:solidFill>
+                      <a:schemeClr val="dk2"/>
+                    </a:solidFill>
+                  </a:tcPr>
+                </a:tc>
+                <a:tc>
+                  <a:txBody>
+                    <a:bodyPr/>
+                    <a:lstStyle/>
+                    <a:p>
+                      <a:pPr indent="0" lvl="0" marL="0" rtl="0" algn="l">
+                        <a:spcBef>
+                          <a:spcPts val="0"/>
+                        </a:spcBef>
+                        <a:spcAft>
+                          <a:spcPts val="1600"/>
+                        </a:spcAft>
+                        <a:buNone/>
+                      </a:pPr>
+                      <a:r>
+                        <a:rPr lang="en" sz="1200">
+                          <a:solidFill>
+                            <a:schemeClr val="dk1"/>
+                          </a:solidFill>
+                          <a:latin typeface="Hanken Grotesk"/>
+                          <a:ea typeface="Hanken Grotesk"/>
+                          <a:cs typeface="Hanken Grotesk"/>
+                          <a:sym typeface="Hanken Grotesk"/>
+                        </a:rPr>
+                        <a:t>With the appearance of chatbot applications, searches and conversations regarding health issues can be expected to increase, which raises the challenges on how to reply with verified and reliable information. The objective of this work is to develop and evaluate a method for retrieval and summarization of scientific articles that contain answers to consumer health questions.</a:t>
+                      </a:r>
+                      <a:endParaRPr sz="1200">
+                        <a:solidFill>
+                          <a:schemeClr val="dk1"/>
+                        </a:solidFill>
+                        <a:latin typeface="Hanken Grotesk"/>
+                        <a:ea typeface="Hanken Grotesk"/>
+                        <a:cs typeface="Hanken Grotesk"/>
+                        <a:sym typeface="Hanken Grotesk"/>
+                      </a:endParaRPr>
+                    </a:p>
+                  </a:txBody>
+                  <a:tcPr marT="91425" marB="91425" marR="91425" marL="91425">
+                    <a:lnL cap="flat" cmpd="sng" w="19050">
+                      <a:solidFill>
+                        <a:schemeClr val="dk1"/>
+                      </a:solidFill>
+                      <a:prstDash val="solid"/>
+                      <a:round/>
+                      <a:headEnd len="sm" w="sm" type="none"/>
+                      <a:tailEnd len="sm" w="sm" type="none"/>
+                    </a:lnL>
+                    <a:lnR cap="flat" cmpd="sng" w="19050">
+                      <a:solidFill>
+                        <a:schemeClr val="dk1"/>
+                      </a:solidFill>
+                      <a:prstDash val="solid"/>
+                      <a:round/>
+                      <a:headEnd len="sm" w="sm" type="none"/>
+                      <a:tailEnd len="sm" w="sm" type="none"/>
+                    </a:lnR>
+                    <a:lnT cap="flat" cmpd="sng" w="19050">
+                      <a:solidFill>
+                        <a:schemeClr val="dk1"/>
+                      </a:solidFill>
+                      <a:prstDash val="solid"/>
+                      <a:round/>
+                      <a:headEnd len="sm" w="sm" type="none"/>
+                      <a:tailEnd len="sm" w="sm" type="none"/>
+                    </a:lnT>
+                    <a:lnB cap="flat" cmpd="sng" w="19050">
+                      <a:solidFill>
+                        <a:schemeClr val="dk1"/>
+                      </a:solidFill>
+                      <a:prstDash val="solid"/>
+                      <a:round/>
+                      <a:headEnd len="sm" w="sm" type="none"/>
+                      <a:tailEnd len="sm" w="sm" type="none"/>
+                    </a:lnB>
+                  </a:tcPr>
+                </a:tc>
+              </a:tr>
+            </a:tbl>
+          </a:graphicData>
+        </a:graphic>
+      </p:graphicFrame>
+      <p:sp>
+        <p:nvSpPr>
+          <p:cNvPr id="325" name="Google Shape;325;p31"/>
+          <p:cNvSpPr txBox="1"/>
+          <p:nvPr>
+            <p:ph idx="12" type="sldNum"/>
+          </p:nvPr>
+        </p:nvSpPr>
+        <p:spPr>
+          <a:xfrm>
+            <a:off x="8489900" y="4462175"/>
+            <a:ext cx="548700" cy="468900"/>
+          </a:xfrm>
+          <a:prstGeom prst="rect">
+            <a:avLst/>
+          </a:prstGeom>
+        </p:spPr>
+        <p:txBody>
+          <a:bodyPr anchorCtr="0" anchor="t" bIns="91425" lIns="91425" spcFirstLastPara="1" rIns="91425" wrap="square" tIns="91425">
+            <a:noAutofit/>
+          </a:bodyPr>
+          <a:lstStyle/>
+          <a:p>
+            <a:pPr indent="0" lvl="0" marL="0" rtl="0" algn="r">
+              <a:spcBef>
+                <a:spcPts val="0"/>
+              </a:spcBef>
+              <a:spcAft>
+                <a:spcPts val="0"/>
+              </a:spcAft>
+              <a:buNone/>
+            </a:pPr>
+            <a:fld id="{00000000-1234-1234-1234-123412341234}" type="slidenum">
+              <a:rPr lang="en"/>
+              <a:t>‹#›</a:t>
+            </a:fld>
+            <a:endParaRPr/>
+          </a:p>
+        </p:txBody>
+      </p:sp>
+    </p:spTree>
+  </p:cSld>
+  <p:clrMapOvr>
+    <a:masterClrMapping/>
+  </p:clrMapOvr>
+</p:sld>
+</file>
+
+<file path=ppt/slides/slide3.xml><?xml version="1.0" encoding="utf-8"?>
+<p:sld xmlns:a="http://schemas.openxmlformats.org/drawingml/2006/main" xmlns:r="http://schemas.openxmlformats.org/officeDocument/2006/relationships" xmlns:mc="http://schemas.openxmlformats.org/markup-compatibility/2006" xmlns:mv="urn:schemas-microsoft-com:mac:vml" xmlns:p="http://schemas.openxmlformats.org/presentationml/2006/main" xmlns:c="http://schemas.openxmlformats.org/drawingml/2006/chart" xmlns:dgm="http://schemas.openxmlformats.org/drawingml/2006/diagram" xmlns:o="urn:schemas-microsoft-com:office:office" xmlns:v="urn:schemas-microsoft-com:vml" xmlns:pvml="urn:schemas-microsoft-com:office:powerpoint" xmlns:com="http://schemas.openxmlformats.org/drawingml/2006/compatibility" xmlns:p14="http://schemas.microsoft.com/office/powerpoint/2010/main" xmlns:p15="http://schemas.microsoft.com/office/powerpoint/2012/main" xmlns:ahyp="http://schemas.microsoft.com/office/drawing/2018/hyperlinkcolor">
+  <p:cSld>
+    <p:spTree>
+      <p:nvGrpSpPr>
+        <p:cNvPr id="329" name="Shape 329"/>
+        <p:cNvGrpSpPr/>
+        <p:nvPr/>
+      </p:nvGrpSpPr>
+      <p:grpSpPr>
+        <a:xfrm>
+          <a:off x="0" y="0"/>
+          <a:ext cx="0" cy="0"/>
+          <a:chOff x="0" y="0"/>
+          <a:chExt cx="0" cy="0"/>
+        </a:xfrm>
+      </p:grpSpPr>
+      <p:sp>
+        <p:nvSpPr>
+          <p:cNvPr id="330" name="Google Shape;330;p32"/>
+          <p:cNvSpPr txBox="1"/>
+          <p:nvPr>
+            <p:ph type="title"/>
+          </p:nvPr>
+        </p:nvSpPr>
+        <p:spPr>
+          <a:xfrm>
             <a:off x="722376" y="445025"/>
             <a:ext cx="7708500" cy="572700"/>
           </a:xfrm>
@@ -27693,7 +28700,7 @@
       </p:sp>
       <p:sp>
         <p:nvSpPr>
-          <p:cNvPr id="322" name="Google Shape;322;p31"/>
+          <p:cNvPr id="331" name="Google Shape;331;p32"/>
           <p:cNvSpPr txBox="1"/>
           <p:nvPr/>
         </p:nvSpPr>
@@ -27745,7 +28752,7 @@
       </p:sp>
       <p:sp>
         <p:nvSpPr>
-          <p:cNvPr id="323" name="Google Shape;323;p31"/>
+          <p:cNvPr id="332" name="Google Shape;332;p32"/>
           <p:cNvSpPr txBox="1"/>
           <p:nvPr>
             <p:ph idx="12" type="sldNum"/>
@@ -27785,7 +28792,7 @@
       </p:sp>
       <p:pic>
         <p:nvPicPr>
-          <p:cNvPr id="324" name="Google Shape;324;p31"/>
+          <p:cNvPr id="333" name="Google Shape;333;p32"/>
           <p:cNvPicPr preferRelativeResize="0"/>
           <p:nvPr/>
         </p:nvPicPr>
@@ -27813,7 +28820,7 @@
       </p:pic>
       <p:sp>
         <p:nvSpPr>
-          <p:cNvPr id="325" name="Google Shape;325;p31"/>
+          <p:cNvPr id="334" name="Google Shape;334;p32"/>
           <p:cNvSpPr txBox="1"/>
           <p:nvPr/>
         </p:nvSpPr>
@@ -28044,12 +29051,12 @@
 </p:sld>
 </file>
 
-<file path=ppt/slides/slide3.xml><?xml version="1.0" encoding="utf-8"?>
+<file path=ppt/slides/slide4.xml><?xml version="1.0" encoding="utf-8"?>
 <p:sld xmlns:a="http://schemas.openxmlformats.org/drawingml/2006/main" xmlns:r="http://schemas.openxmlformats.org/officeDocument/2006/relationships" xmlns:mc="http://schemas.openxmlformats.org/markup-compatibility/2006" xmlns:mv="urn:schemas-microsoft-com:mac:vml" xmlns:p="http://schemas.openxmlformats.org/presentationml/2006/main" xmlns:c="http://schemas.openxmlformats.org/drawingml/2006/chart" xmlns:dgm="http://schemas.openxmlformats.org/drawingml/2006/diagram" xmlns:o="urn:schemas-microsoft-com:office:office" xmlns:v="urn:schemas-microsoft-com:vml" xmlns:pvml="urn:schemas-microsoft-com:office:powerpoint" xmlns:com="http://schemas.openxmlformats.org/drawingml/2006/compatibility" xmlns:p14="http://schemas.microsoft.com/office/powerpoint/2010/main" xmlns:p15="http://schemas.microsoft.com/office/powerpoint/2012/main" xmlns:ahyp="http://schemas.microsoft.com/office/drawing/2018/hyperlinkcolor">
   <p:cSld>
     <p:spTree>
       <p:nvGrpSpPr>
-        <p:cNvPr id="329" name="Shape 329"/>
+        <p:cNvPr id="338" name="Shape 338"/>
         <p:cNvGrpSpPr/>
         <p:nvPr/>
       </p:nvGrpSpPr>
@@ -28063,7 +29070,7 @@
       </p:grpSpPr>
       <p:sp>
         <p:nvSpPr>
-          <p:cNvPr id="330" name="Google Shape;330;p32"/>
+          <p:cNvPr id="339" name="Google Shape;339;p33"/>
           <p:cNvSpPr txBox="1"/>
           <p:nvPr>
             <p:ph type="title"/>
@@ -28103,7 +29110,7 @@
       </p:sp>
       <p:grpSp>
         <p:nvGrpSpPr>
-          <p:cNvPr id="331" name="Google Shape;331;p32"/>
+          <p:cNvPr id="340" name="Google Shape;340;p33"/>
           <p:cNvGrpSpPr/>
           <p:nvPr/>
         </p:nvGrpSpPr>
@@ -28117,7 +29124,7 @@
         </p:grpSpPr>
         <p:grpSp>
           <p:nvGrpSpPr>
-            <p:cNvPr id="332" name="Google Shape;332;p32"/>
+            <p:cNvPr id="341" name="Google Shape;341;p33"/>
             <p:cNvGrpSpPr/>
             <p:nvPr/>
           </p:nvGrpSpPr>
@@ -28131,7 +29138,7 @@
           </p:grpSpPr>
           <p:grpSp>
             <p:nvGrpSpPr>
-              <p:cNvPr id="333" name="Google Shape;333;p32"/>
+              <p:cNvPr id="342" name="Google Shape;342;p33"/>
               <p:cNvGrpSpPr/>
               <p:nvPr/>
             </p:nvGrpSpPr>
@@ -28145,7 +29152,7 @@
             </p:grpSpPr>
             <p:sp>
               <p:nvSpPr>
-                <p:cNvPr id="334" name="Google Shape;334;p32"/>
+                <p:cNvPr id="343" name="Google Shape;343;p33"/>
                 <p:cNvSpPr/>
                 <p:nvPr/>
               </p:nvSpPr>
@@ -28205,7 +29212,7 @@
             </p:sp>
             <p:sp>
               <p:nvSpPr>
-                <p:cNvPr id="335" name="Google Shape;335;p32"/>
+                <p:cNvPr id="344" name="Google Shape;344;p33"/>
                 <p:cNvSpPr/>
                 <p:nvPr/>
               </p:nvSpPr>
@@ -28259,7 +29266,7 @@
             </p:sp>
             <p:sp>
               <p:nvSpPr>
-                <p:cNvPr id="336" name="Google Shape;336;p32"/>
+                <p:cNvPr id="345" name="Google Shape;345;p33"/>
                 <p:cNvSpPr/>
                 <p:nvPr/>
               </p:nvSpPr>
@@ -28313,7 +29320,7 @@
             </p:sp>
             <p:sp>
               <p:nvSpPr>
-                <p:cNvPr id="337" name="Google Shape;337;p32"/>
+                <p:cNvPr id="346" name="Google Shape;346;p33"/>
                 <p:cNvSpPr/>
                 <p:nvPr/>
               </p:nvSpPr>
@@ -28367,7 +29374,7 @@
             </p:sp>
             <p:sp>
               <p:nvSpPr>
-                <p:cNvPr id="338" name="Google Shape;338;p32"/>
+                <p:cNvPr id="347" name="Google Shape;347;p33"/>
                 <p:cNvSpPr/>
                 <p:nvPr/>
               </p:nvSpPr>
@@ -28421,7 +29428,7 @@
             </p:sp>
             <p:sp>
               <p:nvSpPr>
-                <p:cNvPr id="339" name="Google Shape;339;p32"/>
+                <p:cNvPr id="348" name="Google Shape;348;p33"/>
                 <p:cNvSpPr/>
                 <p:nvPr/>
               </p:nvSpPr>
@@ -28475,7 +29482,7 @@
             </p:sp>
             <p:sp>
               <p:nvSpPr>
-                <p:cNvPr id="340" name="Google Shape;340;p32"/>
+                <p:cNvPr id="349" name="Google Shape;349;p33"/>
                 <p:cNvSpPr/>
                 <p:nvPr/>
               </p:nvSpPr>
@@ -28529,10 +29536,10 @@
             </p:sp>
             <p:cxnSp>
               <p:nvCxnSpPr>
-                <p:cNvPr id="341" name="Google Shape;341;p32"/>
+                <p:cNvPr id="350" name="Google Shape;350;p33"/>
                 <p:cNvCxnSpPr>
-                  <a:stCxn id="334" idx="2"/>
-                  <a:endCxn id="340" idx="1"/>
+                  <a:stCxn id="343" idx="2"/>
+                  <a:endCxn id="349" idx="1"/>
                 </p:cNvCxnSpPr>
                 <p:nvPr/>
               </p:nvCxnSpPr>
@@ -28558,10 +29565,10 @@
             </p:cxnSp>
             <p:cxnSp>
               <p:nvCxnSpPr>
-                <p:cNvPr id="342" name="Google Shape;342;p32"/>
+                <p:cNvPr id="351" name="Google Shape;351;p33"/>
                 <p:cNvCxnSpPr>
-                  <a:stCxn id="334" idx="2"/>
-                  <a:endCxn id="339" idx="1"/>
+                  <a:stCxn id="343" idx="2"/>
+                  <a:endCxn id="348" idx="1"/>
                 </p:cNvCxnSpPr>
                 <p:nvPr/>
               </p:nvCxnSpPr>
@@ -28587,10 +29594,10 @@
             </p:cxnSp>
             <p:cxnSp>
               <p:nvCxnSpPr>
-                <p:cNvPr id="343" name="Google Shape;343;p32"/>
+                <p:cNvPr id="352" name="Google Shape;352;p33"/>
                 <p:cNvCxnSpPr>
-                  <a:stCxn id="334" idx="2"/>
-                  <a:endCxn id="338" idx="1"/>
+                  <a:stCxn id="343" idx="2"/>
+                  <a:endCxn id="347" idx="1"/>
                 </p:cNvCxnSpPr>
                 <p:nvPr/>
               </p:nvCxnSpPr>
@@ -28616,10 +29623,10 @@
             </p:cxnSp>
             <p:cxnSp>
               <p:nvCxnSpPr>
-                <p:cNvPr id="344" name="Google Shape;344;p32"/>
+                <p:cNvPr id="353" name="Google Shape;353;p33"/>
                 <p:cNvCxnSpPr>
-                  <a:stCxn id="334" idx="2"/>
-                  <a:endCxn id="337" idx="1"/>
+                  <a:stCxn id="343" idx="2"/>
+                  <a:endCxn id="346" idx="1"/>
                 </p:cNvCxnSpPr>
                 <p:nvPr/>
               </p:nvCxnSpPr>
@@ -28645,10 +29652,10 @@
             </p:cxnSp>
             <p:cxnSp>
               <p:nvCxnSpPr>
-                <p:cNvPr id="345" name="Google Shape;345;p32"/>
+                <p:cNvPr id="354" name="Google Shape;354;p33"/>
                 <p:cNvCxnSpPr>
-                  <a:stCxn id="334" idx="2"/>
-                  <a:endCxn id="336" idx="1"/>
+                  <a:stCxn id="343" idx="2"/>
+                  <a:endCxn id="345" idx="1"/>
                 </p:cNvCxnSpPr>
                 <p:nvPr/>
               </p:nvCxnSpPr>
@@ -28675,7 +29682,7 @@
           </p:grpSp>
           <p:grpSp>
             <p:nvGrpSpPr>
-              <p:cNvPr id="346" name="Google Shape;346;p32"/>
+              <p:cNvPr id="355" name="Google Shape;355;p33"/>
               <p:cNvGrpSpPr/>
               <p:nvPr/>
             </p:nvGrpSpPr>
@@ -28689,7 +29696,7 @@
             </p:grpSpPr>
             <p:sp>
               <p:nvSpPr>
-                <p:cNvPr id="347" name="Google Shape;347;p32"/>
+                <p:cNvPr id="356" name="Google Shape;356;p33"/>
                 <p:cNvSpPr/>
                 <p:nvPr/>
               </p:nvSpPr>
@@ -28749,7 +29756,7 @@
             </p:sp>
             <p:sp>
               <p:nvSpPr>
-                <p:cNvPr id="348" name="Google Shape;348;p32"/>
+                <p:cNvPr id="357" name="Google Shape;357;p33"/>
                 <p:cNvSpPr/>
                 <p:nvPr/>
               </p:nvSpPr>
@@ -28803,7 +29810,7 @@
             </p:sp>
             <p:sp>
               <p:nvSpPr>
-                <p:cNvPr id="349" name="Google Shape;349;p32"/>
+                <p:cNvPr id="358" name="Google Shape;358;p33"/>
                 <p:cNvSpPr/>
                 <p:nvPr/>
               </p:nvSpPr>
@@ -28857,7 +29864,7 @@
             </p:sp>
             <p:sp>
               <p:nvSpPr>
-                <p:cNvPr id="350" name="Google Shape;350;p32"/>
+                <p:cNvPr id="359" name="Google Shape;359;p33"/>
                 <p:cNvSpPr/>
                 <p:nvPr/>
               </p:nvSpPr>
@@ -28911,7 +29918,7 @@
             </p:sp>
             <p:sp>
               <p:nvSpPr>
-                <p:cNvPr id="351" name="Google Shape;351;p32"/>
+                <p:cNvPr id="360" name="Google Shape;360;p33"/>
                 <p:cNvSpPr/>
                 <p:nvPr/>
               </p:nvSpPr>
@@ -28965,10 +29972,10 @@
             </p:sp>
             <p:cxnSp>
               <p:nvCxnSpPr>
-                <p:cNvPr id="352" name="Google Shape;352;p32"/>
+                <p:cNvPr id="361" name="Google Shape;361;p33"/>
                 <p:cNvCxnSpPr>
-                  <a:stCxn id="347" idx="2"/>
-                  <a:endCxn id="348" idx="1"/>
+                  <a:stCxn id="356" idx="2"/>
+                  <a:endCxn id="357" idx="1"/>
                 </p:cNvCxnSpPr>
                 <p:nvPr/>
               </p:nvCxnSpPr>
@@ -28994,10 +30001,10 @@
             </p:cxnSp>
             <p:cxnSp>
               <p:nvCxnSpPr>
-                <p:cNvPr id="353" name="Google Shape;353;p32"/>
+                <p:cNvPr id="362" name="Google Shape;362;p33"/>
                 <p:cNvCxnSpPr>
-                  <a:stCxn id="347" idx="2"/>
-                  <a:endCxn id="349" idx="1"/>
+                  <a:stCxn id="356" idx="2"/>
+                  <a:endCxn id="358" idx="1"/>
                 </p:cNvCxnSpPr>
                 <p:nvPr/>
               </p:nvCxnSpPr>
@@ -29023,10 +30030,10 @@
             </p:cxnSp>
             <p:cxnSp>
               <p:nvCxnSpPr>
-                <p:cNvPr id="354" name="Google Shape;354;p32"/>
+                <p:cNvPr id="363" name="Google Shape;363;p33"/>
                 <p:cNvCxnSpPr>
-                  <a:stCxn id="347" idx="2"/>
-                  <a:endCxn id="350" idx="1"/>
+                  <a:stCxn id="356" idx="2"/>
+                  <a:endCxn id="359" idx="1"/>
                 </p:cNvCxnSpPr>
                 <p:nvPr/>
               </p:nvCxnSpPr>
@@ -29052,10 +30059,10 @@
             </p:cxnSp>
             <p:cxnSp>
               <p:nvCxnSpPr>
-                <p:cNvPr id="355" name="Google Shape;355;p32"/>
+                <p:cNvPr id="364" name="Google Shape;364;p33"/>
                 <p:cNvCxnSpPr>
-                  <a:stCxn id="347" idx="2"/>
-                  <a:endCxn id="351" idx="1"/>
+                  <a:stCxn id="356" idx="2"/>
+                  <a:endCxn id="360" idx="1"/>
                 </p:cNvCxnSpPr>
                 <p:nvPr/>
               </p:nvCxnSpPr>
@@ -29082,7 +30089,7 @@
           </p:grpSp>
           <p:grpSp>
             <p:nvGrpSpPr>
-              <p:cNvPr id="356" name="Google Shape;356;p32"/>
+              <p:cNvPr id="365" name="Google Shape;365;p33"/>
               <p:cNvGrpSpPr/>
               <p:nvPr/>
             </p:nvGrpSpPr>
@@ -29096,7 +30103,7 @@
             </p:grpSpPr>
             <p:sp>
               <p:nvSpPr>
-                <p:cNvPr id="357" name="Google Shape;357;p32"/>
+                <p:cNvPr id="366" name="Google Shape;366;p33"/>
                 <p:cNvSpPr/>
                 <p:nvPr/>
               </p:nvSpPr>
@@ -29156,7 +30163,7 @@
             </p:sp>
             <p:sp>
               <p:nvSpPr>
-                <p:cNvPr id="358" name="Google Shape;358;p32"/>
+                <p:cNvPr id="367" name="Google Shape;367;p33"/>
                 <p:cNvSpPr/>
                 <p:nvPr/>
               </p:nvSpPr>
@@ -29210,7 +30217,7 @@
             </p:sp>
             <p:sp>
               <p:nvSpPr>
-                <p:cNvPr id="359" name="Google Shape;359;p32"/>
+                <p:cNvPr id="368" name="Google Shape;368;p33"/>
                 <p:cNvSpPr/>
                 <p:nvPr/>
               </p:nvSpPr>
@@ -29264,7 +30271,7 @@
             </p:sp>
             <p:sp>
               <p:nvSpPr>
-                <p:cNvPr id="360" name="Google Shape;360;p32"/>
+                <p:cNvPr id="369" name="Google Shape;369;p33"/>
                 <p:cNvSpPr/>
                 <p:nvPr/>
               </p:nvSpPr>
@@ -29318,10 +30325,10 @@
             </p:sp>
             <p:cxnSp>
               <p:nvCxnSpPr>
-                <p:cNvPr id="361" name="Google Shape;361;p32"/>
+                <p:cNvPr id="370" name="Google Shape;370;p33"/>
                 <p:cNvCxnSpPr>
-                  <a:stCxn id="357" idx="2"/>
-                  <a:endCxn id="360" idx="1"/>
+                  <a:stCxn id="366" idx="2"/>
+                  <a:endCxn id="369" idx="1"/>
                 </p:cNvCxnSpPr>
                 <p:nvPr/>
               </p:nvCxnSpPr>
@@ -29347,10 +30354,10 @@
             </p:cxnSp>
             <p:cxnSp>
               <p:nvCxnSpPr>
-                <p:cNvPr id="362" name="Google Shape;362;p32"/>
+                <p:cNvPr id="371" name="Google Shape;371;p33"/>
                 <p:cNvCxnSpPr>
-                  <a:stCxn id="357" idx="2"/>
-                  <a:endCxn id="358" idx="1"/>
+                  <a:stCxn id="366" idx="2"/>
+                  <a:endCxn id="367" idx="1"/>
                 </p:cNvCxnSpPr>
                 <p:nvPr/>
               </p:nvCxnSpPr>
@@ -29376,10 +30383,10 @@
             </p:cxnSp>
             <p:cxnSp>
               <p:nvCxnSpPr>
-                <p:cNvPr id="363" name="Google Shape;363;p32"/>
+                <p:cNvPr id="372" name="Google Shape;372;p33"/>
                 <p:cNvCxnSpPr>
-                  <a:stCxn id="357" idx="2"/>
-                  <a:endCxn id="359" idx="1"/>
+                  <a:stCxn id="366" idx="2"/>
+                  <a:endCxn id="368" idx="1"/>
                 </p:cNvCxnSpPr>
                 <p:nvPr/>
               </p:nvCxnSpPr>
@@ -29405,10 +30412,10 @@
             </p:cxnSp>
             <p:cxnSp>
               <p:nvCxnSpPr>
-                <p:cNvPr id="364" name="Google Shape;364;p32"/>
+                <p:cNvPr id="373" name="Google Shape;373;p33"/>
                 <p:cNvCxnSpPr>
-                  <a:stCxn id="357" idx="2"/>
-                  <a:endCxn id="365" idx="1"/>
+                  <a:stCxn id="366" idx="2"/>
+                  <a:endCxn id="374" idx="1"/>
                 </p:cNvCxnSpPr>
                 <p:nvPr/>
               </p:nvCxnSpPr>
@@ -29434,7 +30441,7 @@
             </p:cxnSp>
             <p:sp>
               <p:nvSpPr>
-                <p:cNvPr id="365" name="Google Shape;365;p32"/>
+                <p:cNvPr id="374" name="Google Shape;374;p33"/>
                 <p:cNvSpPr/>
                 <p:nvPr/>
               </p:nvSpPr>
@@ -29488,10 +30495,10 @@
             </p:sp>
             <p:cxnSp>
               <p:nvCxnSpPr>
-                <p:cNvPr id="366" name="Google Shape;366;p32"/>
+                <p:cNvPr id="375" name="Google Shape;375;p33"/>
                 <p:cNvCxnSpPr>
-                  <a:stCxn id="357" idx="2"/>
-                  <a:endCxn id="367" idx="1"/>
+                  <a:stCxn id="366" idx="2"/>
+                  <a:endCxn id="376" idx="1"/>
                 </p:cNvCxnSpPr>
                 <p:nvPr/>
               </p:nvCxnSpPr>
@@ -29517,7 +30524,7 @@
             </p:cxnSp>
             <p:sp>
               <p:nvSpPr>
-                <p:cNvPr id="367" name="Google Shape;367;p32"/>
+                <p:cNvPr id="376" name="Google Shape;376;p33"/>
                 <p:cNvSpPr/>
                 <p:nvPr/>
               </p:nvSpPr>
@@ -29573,10 +30580,10 @@
         </p:grpSp>
         <p:cxnSp>
           <p:nvCxnSpPr>
-            <p:cNvPr id="368" name="Google Shape;368;p32"/>
+            <p:cNvPr id="377" name="Google Shape;377;p33"/>
             <p:cNvCxnSpPr>
-              <a:stCxn id="334" idx="2"/>
-              <a:endCxn id="335" idx="1"/>
+              <a:stCxn id="343" idx="2"/>
+              <a:endCxn id="344" idx="1"/>
             </p:cNvCxnSpPr>
             <p:nvPr/>
           </p:nvCxnSpPr>
@@ -29603,7 +30610,7 @@
       </p:grpSp>
       <p:sp>
         <p:nvSpPr>
-          <p:cNvPr id="369" name="Google Shape;369;p32"/>
+          <p:cNvPr id="378" name="Google Shape;378;p33"/>
           <p:cNvSpPr txBox="1"/>
           <p:nvPr>
             <p:ph idx="12" type="sldNum"/>
@@ -29649,12 +30656,12 @@
 </p:sld>
 </file>
 
-<file path=ppt/slides/slide4.xml><?xml version="1.0" encoding="utf-8"?>
+<file path=ppt/slides/slide5.xml><?xml version="1.0" encoding="utf-8"?>
 <p:sld xmlns:a="http://schemas.openxmlformats.org/drawingml/2006/main" xmlns:r="http://schemas.openxmlformats.org/officeDocument/2006/relationships" xmlns:mc="http://schemas.openxmlformats.org/markup-compatibility/2006" xmlns:mv="urn:schemas-microsoft-com:mac:vml" xmlns:p="http://schemas.openxmlformats.org/presentationml/2006/main" xmlns:c="http://schemas.openxmlformats.org/drawingml/2006/chart" xmlns:dgm="http://schemas.openxmlformats.org/drawingml/2006/diagram" xmlns:o="urn:schemas-microsoft-com:office:office" xmlns:v="urn:schemas-microsoft-com:vml" xmlns:pvml="urn:schemas-microsoft-com:office:powerpoint" xmlns:com="http://schemas.openxmlformats.org/drawingml/2006/compatibility" xmlns:p14="http://schemas.microsoft.com/office/powerpoint/2010/main" xmlns:p15="http://schemas.microsoft.com/office/powerpoint/2012/main" xmlns:ahyp="http://schemas.microsoft.com/office/drawing/2018/hyperlinkcolor">
   <p:cSld>
     <p:spTree>
       <p:nvGrpSpPr>
-        <p:cNvPr id="373" name="Shape 373"/>
+        <p:cNvPr id="382" name="Shape 382"/>
         <p:cNvGrpSpPr/>
         <p:nvPr/>
       </p:nvGrpSpPr>
@@ -29668,7 +30675,7 @@
       </p:grpSpPr>
       <p:sp>
         <p:nvSpPr>
-          <p:cNvPr id="374" name="Google Shape;374;p33"/>
+          <p:cNvPr id="383" name="Google Shape;383;p34"/>
           <p:cNvSpPr txBox="1"/>
           <p:nvPr>
             <p:ph type="title"/>
@@ -29723,7 +30730,7 @@
       </p:sp>
       <p:grpSp>
         <p:nvGrpSpPr>
-          <p:cNvPr id="375" name="Google Shape;375;p33"/>
+          <p:cNvPr id="384" name="Google Shape;384;p34"/>
           <p:cNvGrpSpPr/>
           <p:nvPr/>
         </p:nvGrpSpPr>
@@ -29737,7 +30744,7 @@
         </p:grpSpPr>
         <p:sp>
           <p:nvSpPr>
-            <p:cNvPr id="376" name="Google Shape;376;p33"/>
+            <p:cNvPr id="385" name="Google Shape;385;p34"/>
             <p:cNvSpPr/>
             <p:nvPr/>
           </p:nvSpPr>
@@ -29788,7 +30795,7 @@
         </p:sp>
         <p:sp>
           <p:nvSpPr>
-            <p:cNvPr id="377" name="Google Shape;377;p33"/>
+            <p:cNvPr id="386" name="Google Shape;386;p34"/>
             <p:cNvSpPr txBox="1"/>
             <p:nvPr/>
           </p:nvSpPr>
@@ -29847,7 +30854,7 @@
       </p:grpSp>
       <p:grpSp>
         <p:nvGrpSpPr>
-          <p:cNvPr id="378" name="Google Shape;378;p33"/>
+          <p:cNvPr id="387" name="Google Shape;387;p34"/>
           <p:cNvGrpSpPr/>
           <p:nvPr/>
         </p:nvGrpSpPr>
@@ -29861,7 +30868,7 @@
         </p:grpSpPr>
         <p:sp>
           <p:nvSpPr>
-            <p:cNvPr id="379" name="Google Shape;379;p33"/>
+            <p:cNvPr id="388" name="Google Shape;388;p34"/>
             <p:cNvSpPr/>
             <p:nvPr/>
           </p:nvSpPr>
@@ -29912,7 +30919,7 @@
         </p:sp>
         <p:sp>
           <p:nvSpPr>
-            <p:cNvPr id="380" name="Google Shape;380;p33"/>
+            <p:cNvPr id="389" name="Google Shape;389;p34"/>
             <p:cNvSpPr txBox="1"/>
             <p:nvPr/>
           </p:nvSpPr>
@@ -29971,7 +30978,7 @@
       </p:grpSp>
       <p:sp>
         <p:nvSpPr>
-          <p:cNvPr id="381" name="Google Shape;381;p33"/>
+          <p:cNvPr id="390" name="Google Shape;390;p34"/>
           <p:cNvSpPr/>
           <p:nvPr/>
         </p:nvSpPr>
@@ -30033,7 +31040,7 @@
       </p:sp>
       <p:sp>
         <p:nvSpPr>
-          <p:cNvPr id="382" name="Google Shape;382;p33"/>
+          <p:cNvPr id="391" name="Google Shape;391;p34"/>
           <p:cNvSpPr/>
           <p:nvPr/>
         </p:nvSpPr>
@@ -30095,7 +31102,7 @@
       </p:sp>
       <p:grpSp>
         <p:nvGrpSpPr>
-          <p:cNvPr id="383" name="Google Shape;383;p33"/>
+          <p:cNvPr id="392" name="Google Shape;392;p34"/>
           <p:cNvGrpSpPr/>
           <p:nvPr/>
         </p:nvGrpSpPr>
@@ -30109,7 +31116,7 @@
         </p:grpSpPr>
         <p:sp>
           <p:nvSpPr>
-            <p:cNvPr id="384" name="Google Shape;384;p33"/>
+            <p:cNvPr id="393" name="Google Shape;393;p34"/>
             <p:cNvSpPr/>
             <p:nvPr/>
           </p:nvSpPr>
@@ -30160,7 +31167,7 @@
         </p:sp>
         <p:sp>
           <p:nvSpPr>
-            <p:cNvPr id="385" name="Google Shape;385;p33"/>
+            <p:cNvPr id="394" name="Google Shape;394;p34"/>
             <p:cNvSpPr txBox="1"/>
             <p:nvPr/>
           </p:nvSpPr>
@@ -30219,7 +31226,7 @@
       </p:grpSp>
       <p:grpSp>
         <p:nvGrpSpPr>
-          <p:cNvPr id="386" name="Google Shape;386;p33"/>
+          <p:cNvPr id="395" name="Google Shape;395;p34"/>
           <p:cNvGrpSpPr/>
           <p:nvPr/>
         </p:nvGrpSpPr>
@@ -30233,7 +31240,7 @@
         </p:grpSpPr>
         <p:sp>
           <p:nvSpPr>
-            <p:cNvPr id="387" name="Google Shape;387;p33"/>
+            <p:cNvPr id="396" name="Google Shape;396;p34"/>
             <p:cNvSpPr/>
             <p:nvPr/>
           </p:nvSpPr>
@@ -30284,7 +31291,7 @@
         </p:sp>
         <p:sp>
           <p:nvSpPr>
-            <p:cNvPr id="388" name="Google Shape;388;p33"/>
+            <p:cNvPr id="397" name="Google Shape;397;p34"/>
             <p:cNvSpPr txBox="1"/>
             <p:nvPr/>
           </p:nvSpPr>
@@ -30342,7 +31349,7 @@
         </p:sp>
         <p:sp>
           <p:nvSpPr>
-            <p:cNvPr id="389" name="Google Shape;389;p33"/>
+            <p:cNvPr id="398" name="Google Shape;398;p34"/>
             <p:cNvSpPr txBox="1"/>
             <p:nvPr/>
           </p:nvSpPr>
@@ -30474,7 +31481,7 @@
       </p:grpSp>
       <p:sp>
         <p:nvSpPr>
-          <p:cNvPr id="390" name="Google Shape;390;p33"/>
+          <p:cNvPr id="399" name="Google Shape;399;p34"/>
           <p:cNvSpPr txBox="1"/>
           <p:nvPr>
             <p:ph idx="12" type="sldNum"/>
@@ -30514,7 +31521,7 @@
       </p:sp>
       <p:sp>
         <p:nvSpPr>
-          <p:cNvPr id="391" name="Google Shape;391;p33"/>
+          <p:cNvPr id="400" name="Google Shape;400;p34"/>
           <p:cNvSpPr/>
           <p:nvPr/>
         </p:nvSpPr>
@@ -30565,7 +31572,7 @@
       </p:sp>
       <p:sp>
         <p:nvSpPr>
-          <p:cNvPr id="392" name="Google Shape;392;p33"/>
+          <p:cNvPr id="401" name="Google Shape;401;p34"/>
           <p:cNvSpPr txBox="1"/>
           <p:nvPr/>
         </p:nvSpPr>
@@ -30696,7 +31703,7 @@
       </p:sp>
       <p:sp>
         <p:nvSpPr>
-          <p:cNvPr id="393" name="Google Shape;393;p33"/>
+          <p:cNvPr id="402" name="Google Shape;402;p34"/>
           <p:cNvSpPr txBox="1"/>
           <p:nvPr/>
         </p:nvSpPr>
@@ -30754,7 +31761,7 @@
       </p:sp>
       <p:grpSp>
         <p:nvGrpSpPr>
-          <p:cNvPr id="394" name="Google Shape;394;p33"/>
+          <p:cNvPr id="403" name="Google Shape;403;p34"/>
           <p:cNvGrpSpPr/>
           <p:nvPr/>
         </p:nvGrpSpPr>
@@ -30768,7 +31775,7 @@
         </p:grpSpPr>
         <p:sp>
           <p:nvSpPr>
-            <p:cNvPr id="395" name="Google Shape;395;p33"/>
+            <p:cNvPr id="404" name="Google Shape;404;p34"/>
             <p:cNvSpPr/>
             <p:nvPr/>
           </p:nvSpPr>
@@ -30819,7 +31826,7 @@
         </p:sp>
         <p:sp>
           <p:nvSpPr>
-            <p:cNvPr id="396" name="Google Shape;396;p33"/>
+            <p:cNvPr id="405" name="Google Shape;405;p34"/>
             <p:cNvSpPr txBox="1"/>
             <p:nvPr/>
           </p:nvSpPr>
@@ -30878,7 +31885,7 @@
       </p:grpSp>
       <p:grpSp>
         <p:nvGrpSpPr>
-          <p:cNvPr id="397" name="Google Shape;397;p33"/>
+          <p:cNvPr id="406" name="Google Shape;406;p34"/>
           <p:cNvGrpSpPr/>
           <p:nvPr/>
         </p:nvGrpSpPr>
@@ -30892,7 +31899,7 @@
         </p:grpSpPr>
         <p:grpSp>
           <p:nvGrpSpPr>
-            <p:cNvPr id="398" name="Google Shape;398;p33"/>
+            <p:cNvPr id="407" name="Google Shape;407;p34"/>
             <p:cNvGrpSpPr/>
             <p:nvPr/>
           </p:nvGrpSpPr>
@@ -30906,7 +31913,7 @@
           </p:grpSpPr>
           <p:sp>
             <p:nvSpPr>
-              <p:cNvPr id="399" name="Google Shape;399;p33"/>
+              <p:cNvPr id="408" name="Google Shape;408;p34"/>
               <p:cNvSpPr/>
               <p:nvPr/>
             </p:nvSpPr>
@@ -30957,7 +31964,7 @@
           </p:sp>
           <p:sp>
             <p:nvSpPr>
-              <p:cNvPr id="400" name="Google Shape;400;p33"/>
+              <p:cNvPr id="409" name="Google Shape;409;p34"/>
               <p:cNvSpPr txBox="1"/>
               <p:nvPr/>
             </p:nvSpPr>
@@ -31016,7 +32023,7 @@
         </p:grpSp>
         <p:sp>
           <p:nvSpPr>
-            <p:cNvPr id="401" name="Google Shape;401;p33"/>
+            <p:cNvPr id="410" name="Google Shape;410;p34"/>
             <p:cNvSpPr txBox="1"/>
             <p:nvPr/>
           </p:nvSpPr>
@@ -31183,7 +32190,7 @@
       </p:grpSp>
       <p:sp>
         <p:nvSpPr>
-          <p:cNvPr id="402" name="Google Shape;402;p33"/>
+          <p:cNvPr id="411" name="Google Shape;411;p34"/>
           <p:cNvSpPr/>
           <p:nvPr/>
         </p:nvSpPr>
@@ -31245,7 +32252,7 @@
       </p:sp>
       <p:sp>
         <p:nvSpPr>
-          <p:cNvPr id="403" name="Google Shape;403;p33"/>
+          <p:cNvPr id="412" name="Google Shape;412;p34"/>
           <p:cNvSpPr txBox="1"/>
           <p:nvPr/>
         </p:nvSpPr>
@@ -31417,12 +32424,12 @@
 </p:sld>
 </file>
 
-<file path=ppt/slides/slide5.xml><?xml version="1.0" encoding="utf-8"?>
+<file path=ppt/slides/slide6.xml><?xml version="1.0" encoding="utf-8"?>
 <p:sld xmlns:a="http://schemas.openxmlformats.org/drawingml/2006/main" xmlns:r="http://schemas.openxmlformats.org/officeDocument/2006/relationships" xmlns:mc="http://schemas.openxmlformats.org/markup-compatibility/2006" xmlns:mv="urn:schemas-microsoft-com:mac:vml" xmlns:p="http://schemas.openxmlformats.org/presentationml/2006/main" xmlns:c="http://schemas.openxmlformats.org/drawingml/2006/chart" xmlns:dgm="http://schemas.openxmlformats.org/drawingml/2006/diagram" xmlns:o="urn:schemas-microsoft-com:office:office" xmlns:v="urn:schemas-microsoft-com:vml" xmlns:pvml="urn:schemas-microsoft-com:office:powerpoint" xmlns:com="http://schemas.openxmlformats.org/drawingml/2006/compatibility" xmlns:p14="http://schemas.microsoft.com/office/powerpoint/2010/main" xmlns:p15="http://schemas.microsoft.com/office/powerpoint/2012/main" xmlns:ahyp="http://schemas.microsoft.com/office/drawing/2018/hyperlinkcolor">
   <p:cSld>
     <p:spTree>
       <p:nvGrpSpPr>
-        <p:cNvPr id="407" name="Shape 407"/>
+        <p:cNvPr id="416" name="Shape 416"/>
         <p:cNvGrpSpPr/>
         <p:nvPr/>
       </p:nvGrpSpPr>
@@ -31436,7 +32443,7 @@
       </p:grpSpPr>
       <p:sp>
         <p:nvSpPr>
-          <p:cNvPr id="408" name="Google Shape;408;p34"/>
+          <p:cNvPr id="417" name="Google Shape;417;p35"/>
           <p:cNvSpPr txBox="1"/>
           <p:nvPr>
             <p:ph type="title"/>
@@ -31476,7 +32483,7 @@
       </p:sp>
       <p:sp>
         <p:nvSpPr>
-          <p:cNvPr id="409" name="Google Shape;409;p34"/>
+          <p:cNvPr id="418" name="Google Shape;418;p35"/>
           <p:cNvSpPr txBox="1"/>
           <p:nvPr>
             <p:ph idx="1" type="subTitle"/>
@@ -31556,7 +32563,7 @@
       </p:sp>
       <p:grpSp>
         <p:nvGrpSpPr>
-          <p:cNvPr id="410" name="Google Shape;410;p34"/>
+          <p:cNvPr id="419" name="Google Shape;419;p35"/>
           <p:cNvGrpSpPr/>
           <p:nvPr/>
         </p:nvGrpSpPr>
@@ -31570,7 +32577,7 @@
         </p:grpSpPr>
         <p:grpSp>
           <p:nvGrpSpPr>
-            <p:cNvPr id="411" name="Google Shape;411;p34"/>
+            <p:cNvPr id="420" name="Google Shape;420;p35"/>
             <p:cNvGrpSpPr/>
             <p:nvPr/>
           </p:nvGrpSpPr>
@@ -31584,7 +32591,7 @@
           </p:grpSpPr>
           <p:grpSp>
             <p:nvGrpSpPr>
-              <p:cNvPr id="412" name="Google Shape;412;p34"/>
+              <p:cNvPr id="421" name="Google Shape;421;p35"/>
               <p:cNvGrpSpPr/>
               <p:nvPr/>
             </p:nvGrpSpPr>
@@ -31598,7 +32605,7 @@
             </p:grpSpPr>
             <p:sp>
               <p:nvSpPr>
-                <p:cNvPr id="413" name="Google Shape;413;p34"/>
+                <p:cNvPr id="422" name="Google Shape;422;p35"/>
                 <p:cNvSpPr/>
                 <p:nvPr/>
               </p:nvSpPr>
@@ -31674,7 +32681,7 @@
             </p:sp>
             <p:sp>
               <p:nvSpPr>
-                <p:cNvPr id="414" name="Google Shape;414;p34"/>
+                <p:cNvPr id="423" name="Google Shape;423;p35"/>
                 <p:cNvSpPr/>
                 <p:nvPr/>
               </p:nvSpPr>
@@ -31726,7 +32733,7 @@
           </p:grpSp>
           <p:sp>
             <p:nvSpPr>
-              <p:cNvPr id="415" name="Google Shape;415;p34"/>
+              <p:cNvPr id="424" name="Google Shape;424;p35"/>
               <p:cNvSpPr/>
               <p:nvPr/>
             </p:nvSpPr>
@@ -31778,7 +32785,7 @@
           </p:sp>
           <p:sp>
             <p:nvSpPr>
-              <p:cNvPr id="416" name="Google Shape;416;p34"/>
+              <p:cNvPr id="425" name="Google Shape;425;p35"/>
               <p:cNvSpPr/>
               <p:nvPr/>
             </p:nvSpPr>
@@ -31830,10 +32837,10 @@
           </p:sp>
           <p:cxnSp>
             <p:nvCxnSpPr>
-              <p:cNvPr id="417" name="Google Shape;417;p34"/>
+              <p:cNvPr id="426" name="Google Shape;426;p35"/>
               <p:cNvCxnSpPr>
-                <a:stCxn id="415" idx="0"/>
-                <a:endCxn id="416" idx="0"/>
+                <a:stCxn id="424" idx="0"/>
+                <a:endCxn id="425" idx="0"/>
               </p:cNvCxnSpPr>
               <p:nvPr/>
             </p:nvCxnSpPr>
@@ -31859,10 +32866,10 @@
           </p:cxnSp>
           <p:cxnSp>
             <p:nvCxnSpPr>
-              <p:cNvPr id="418" name="Google Shape;418;p34"/>
+              <p:cNvPr id="427" name="Google Shape;427;p35"/>
               <p:cNvCxnSpPr>
-                <a:stCxn id="415" idx="1"/>
-                <a:endCxn id="416" idx="1"/>
+                <a:stCxn id="424" idx="1"/>
+                <a:endCxn id="425" idx="1"/>
               </p:cNvCxnSpPr>
               <p:nvPr/>
             </p:nvCxnSpPr>
@@ -31888,10 +32895,10 @@
           </p:cxnSp>
           <p:cxnSp>
             <p:nvCxnSpPr>
-              <p:cNvPr id="419" name="Google Shape;419;p34"/>
+              <p:cNvPr id="428" name="Google Shape;428;p35"/>
               <p:cNvCxnSpPr>
-                <a:stCxn id="415" idx="2"/>
-                <a:endCxn id="416" idx="2"/>
+                <a:stCxn id="424" idx="2"/>
+                <a:endCxn id="425" idx="2"/>
               </p:cNvCxnSpPr>
               <p:nvPr/>
             </p:nvCxnSpPr>
@@ -31917,10 +32924,10 @@
           </p:cxnSp>
           <p:cxnSp>
             <p:nvCxnSpPr>
-              <p:cNvPr id="420" name="Google Shape;420;p34"/>
+              <p:cNvPr id="429" name="Google Shape;429;p35"/>
               <p:cNvCxnSpPr>
-                <a:stCxn id="415" idx="3"/>
-                <a:endCxn id="416" idx="3"/>
+                <a:stCxn id="424" idx="3"/>
+                <a:endCxn id="425" idx="3"/>
               </p:cNvCxnSpPr>
               <p:nvPr/>
             </p:nvCxnSpPr>
@@ -31946,10 +32953,10 @@
           </p:cxnSp>
           <p:cxnSp>
             <p:nvCxnSpPr>
-              <p:cNvPr id="421" name="Google Shape;421;p34"/>
+              <p:cNvPr id="430" name="Google Shape;430;p35"/>
               <p:cNvCxnSpPr>
-                <a:stCxn id="415" idx="4"/>
-                <a:endCxn id="416" idx="4"/>
+                <a:stCxn id="424" idx="4"/>
+                <a:endCxn id="425" idx="4"/>
               </p:cNvCxnSpPr>
               <p:nvPr/>
             </p:nvCxnSpPr>
@@ -31975,10 +32982,10 @@
           </p:cxnSp>
           <p:cxnSp>
             <p:nvCxnSpPr>
-              <p:cNvPr id="422" name="Google Shape;422;p34"/>
+              <p:cNvPr id="431" name="Google Shape;431;p35"/>
               <p:cNvCxnSpPr>
-                <a:stCxn id="415" idx="5"/>
-                <a:endCxn id="416" idx="5"/>
+                <a:stCxn id="424" idx="5"/>
+                <a:endCxn id="425" idx="5"/>
               </p:cNvCxnSpPr>
               <p:nvPr/>
             </p:nvCxnSpPr>
@@ -32004,10 +33011,10 @@
           </p:cxnSp>
           <p:cxnSp>
             <p:nvCxnSpPr>
-              <p:cNvPr id="423" name="Google Shape;423;p34"/>
+              <p:cNvPr id="432" name="Google Shape;432;p35"/>
               <p:cNvCxnSpPr>
-                <a:stCxn id="415" idx="6"/>
-                <a:endCxn id="416" idx="6"/>
+                <a:stCxn id="424" idx="6"/>
+                <a:endCxn id="425" idx="6"/>
               </p:cNvCxnSpPr>
               <p:nvPr/>
             </p:nvCxnSpPr>
@@ -32033,10 +33040,10 @@
           </p:cxnSp>
           <p:cxnSp>
             <p:nvCxnSpPr>
-              <p:cNvPr id="424" name="Google Shape;424;p34"/>
+              <p:cNvPr id="433" name="Google Shape;433;p35"/>
               <p:cNvCxnSpPr>
-                <a:stCxn id="415" idx="7"/>
-                <a:endCxn id="416" idx="7"/>
+                <a:stCxn id="424" idx="7"/>
+                <a:endCxn id="425" idx="7"/>
               </p:cNvCxnSpPr>
               <p:nvPr/>
             </p:nvCxnSpPr>
@@ -32062,7 +33069,7 @@
           </p:cxnSp>
           <p:sp>
             <p:nvSpPr>
-              <p:cNvPr id="425" name="Google Shape;425;p34"/>
+              <p:cNvPr id="434" name="Google Shape;434;p35"/>
               <p:cNvSpPr/>
               <p:nvPr/>
             </p:nvSpPr>
@@ -32114,7 +33121,7 @@
           </p:sp>
           <p:sp>
             <p:nvSpPr>
-              <p:cNvPr id="426" name="Google Shape;426;p34"/>
+              <p:cNvPr id="435" name="Google Shape;435;p35"/>
               <p:cNvSpPr/>
               <p:nvPr/>
             </p:nvSpPr>
@@ -32166,10 +33173,10 @@
           </p:sp>
           <p:cxnSp>
             <p:nvCxnSpPr>
-              <p:cNvPr id="427" name="Google Shape;427;p34"/>
+              <p:cNvPr id="436" name="Google Shape;436;p35"/>
               <p:cNvCxnSpPr>
-                <a:stCxn id="425" idx="0"/>
-                <a:endCxn id="426" idx="0"/>
+                <a:stCxn id="434" idx="0"/>
+                <a:endCxn id="435" idx="0"/>
               </p:cNvCxnSpPr>
               <p:nvPr/>
             </p:nvCxnSpPr>
@@ -32195,10 +33202,10 @@
           </p:cxnSp>
           <p:cxnSp>
             <p:nvCxnSpPr>
-              <p:cNvPr id="428" name="Google Shape;428;p34"/>
+              <p:cNvPr id="437" name="Google Shape;437;p35"/>
               <p:cNvCxnSpPr>
-                <a:stCxn id="425" idx="1"/>
-                <a:endCxn id="426" idx="1"/>
+                <a:stCxn id="434" idx="1"/>
+                <a:endCxn id="435" idx="1"/>
               </p:cNvCxnSpPr>
               <p:nvPr/>
             </p:nvCxnSpPr>
@@ -32224,10 +33231,10 @@
           </p:cxnSp>
           <p:cxnSp>
             <p:nvCxnSpPr>
-              <p:cNvPr id="429" name="Google Shape;429;p34"/>
+              <p:cNvPr id="438" name="Google Shape;438;p35"/>
               <p:cNvCxnSpPr>
-                <a:stCxn id="425" idx="2"/>
-                <a:endCxn id="426" idx="2"/>
+                <a:stCxn id="434" idx="2"/>
+                <a:endCxn id="435" idx="2"/>
               </p:cNvCxnSpPr>
               <p:nvPr/>
             </p:nvCxnSpPr>
@@ -32253,10 +33260,10 @@
           </p:cxnSp>
           <p:cxnSp>
             <p:nvCxnSpPr>
-              <p:cNvPr id="430" name="Google Shape;430;p34"/>
+              <p:cNvPr id="439" name="Google Shape;439;p35"/>
               <p:cNvCxnSpPr>
-                <a:stCxn id="425" idx="3"/>
-                <a:endCxn id="426" idx="3"/>
+                <a:stCxn id="434" idx="3"/>
+                <a:endCxn id="435" idx="3"/>
               </p:cNvCxnSpPr>
               <p:nvPr/>
             </p:nvCxnSpPr>
@@ -32282,10 +33289,10 @@
           </p:cxnSp>
           <p:cxnSp>
             <p:nvCxnSpPr>
-              <p:cNvPr id="431" name="Google Shape;431;p34"/>
+              <p:cNvPr id="440" name="Google Shape;440;p35"/>
               <p:cNvCxnSpPr>
-                <a:stCxn id="425" idx="4"/>
-                <a:endCxn id="426" idx="4"/>
+                <a:stCxn id="434" idx="4"/>
+                <a:endCxn id="435" idx="4"/>
               </p:cNvCxnSpPr>
               <p:nvPr/>
             </p:nvCxnSpPr>
@@ -32311,10 +33318,10 @@
           </p:cxnSp>
           <p:cxnSp>
             <p:nvCxnSpPr>
-              <p:cNvPr id="432" name="Google Shape;432;p34"/>
+              <p:cNvPr id="441" name="Google Shape;441;p35"/>
               <p:cNvCxnSpPr>
-                <a:stCxn id="425" idx="5"/>
-                <a:endCxn id="426" idx="5"/>
+                <a:stCxn id="434" idx="5"/>
+                <a:endCxn id="435" idx="5"/>
               </p:cNvCxnSpPr>
               <p:nvPr/>
             </p:nvCxnSpPr>
@@ -32340,10 +33347,10 @@
           </p:cxnSp>
           <p:cxnSp>
             <p:nvCxnSpPr>
-              <p:cNvPr id="433" name="Google Shape;433;p34"/>
+              <p:cNvPr id="442" name="Google Shape;442;p35"/>
               <p:cNvCxnSpPr>
-                <a:stCxn id="425" idx="6"/>
-                <a:endCxn id="426" idx="6"/>
+                <a:stCxn id="434" idx="6"/>
+                <a:endCxn id="435" idx="6"/>
               </p:cNvCxnSpPr>
               <p:nvPr/>
             </p:nvCxnSpPr>
@@ -32369,10 +33376,10 @@
           </p:cxnSp>
           <p:cxnSp>
             <p:nvCxnSpPr>
-              <p:cNvPr id="434" name="Google Shape;434;p34"/>
+              <p:cNvPr id="443" name="Google Shape;443;p35"/>
               <p:cNvCxnSpPr>
-                <a:stCxn id="425" idx="7"/>
-                <a:endCxn id="426" idx="7"/>
+                <a:stCxn id="434" idx="7"/>
+                <a:endCxn id="435" idx="7"/>
               </p:cNvCxnSpPr>
               <p:nvPr/>
             </p:nvCxnSpPr>
@@ -32399,7 +33406,7 @@
         </p:grpSp>
         <p:sp>
           <p:nvSpPr>
-            <p:cNvPr id="435" name="Google Shape;435;p34"/>
+            <p:cNvPr id="444" name="Google Shape;444;p35"/>
             <p:cNvSpPr/>
             <p:nvPr/>
           </p:nvSpPr>
@@ -32450,9 +33457,9 @@
         </p:sp>
         <p:cxnSp>
           <p:nvCxnSpPr>
-            <p:cNvPr id="436" name="Google Shape;436;p34"/>
+            <p:cNvPr id="445" name="Google Shape;445;p35"/>
             <p:cNvCxnSpPr>
-              <a:stCxn id="414" idx="3"/>
+              <a:stCxn id="423" idx="3"/>
             </p:cNvCxnSpPr>
             <p:nvPr/>
           </p:nvCxnSpPr>
@@ -32478,7 +33485,7 @@
         </p:cxnSp>
         <p:sp>
           <p:nvSpPr>
-            <p:cNvPr id="437" name="Google Shape;437;p34"/>
+            <p:cNvPr id="446" name="Google Shape;446;p35"/>
             <p:cNvSpPr/>
             <p:nvPr/>
           </p:nvSpPr>
@@ -32530,7 +33537,7 @@
         </p:sp>
         <p:sp>
           <p:nvSpPr>
-            <p:cNvPr id="438" name="Google Shape;438;p34"/>
+            <p:cNvPr id="447" name="Google Shape;447;p35"/>
             <p:cNvSpPr/>
             <p:nvPr/>
           </p:nvSpPr>
@@ -32582,7 +33589,7 @@
         </p:sp>
         <p:sp>
           <p:nvSpPr>
-            <p:cNvPr id="439" name="Google Shape;439;p34"/>
+            <p:cNvPr id="448" name="Google Shape;448;p35"/>
             <p:cNvSpPr/>
             <p:nvPr/>
           </p:nvSpPr>
@@ -32634,10 +33641,10 @@
         </p:sp>
         <p:cxnSp>
           <p:nvCxnSpPr>
-            <p:cNvPr id="440" name="Google Shape;440;p34"/>
+            <p:cNvPr id="449" name="Google Shape;449;p35"/>
             <p:cNvCxnSpPr>
-              <a:stCxn id="437" idx="2"/>
-              <a:endCxn id="438" idx="6"/>
+              <a:stCxn id="446" idx="2"/>
+              <a:endCxn id="447" idx="6"/>
             </p:cNvCxnSpPr>
             <p:nvPr/>
           </p:nvCxnSpPr>
@@ -32663,10 +33670,10 @@
         </p:cxnSp>
         <p:cxnSp>
           <p:nvCxnSpPr>
-            <p:cNvPr id="441" name="Google Shape;441;p34"/>
+            <p:cNvPr id="450" name="Google Shape;450;p35"/>
             <p:cNvCxnSpPr>
-              <a:stCxn id="439" idx="2"/>
-              <a:endCxn id="437" idx="6"/>
+              <a:stCxn id="448" idx="2"/>
+              <a:endCxn id="446" idx="6"/>
             </p:cNvCxnSpPr>
             <p:nvPr/>
           </p:nvCxnSpPr>
@@ -32692,10 +33699,10 @@
         </p:cxnSp>
         <p:cxnSp>
           <p:nvCxnSpPr>
-            <p:cNvPr id="442" name="Google Shape;442;p34"/>
+            <p:cNvPr id="451" name="Google Shape;451;p35"/>
             <p:cNvCxnSpPr>
-              <a:stCxn id="443" idx="2"/>
-              <a:endCxn id="437" idx="0"/>
+              <a:stCxn id="452" idx="2"/>
+              <a:endCxn id="446" idx="0"/>
             </p:cNvCxnSpPr>
             <p:nvPr/>
           </p:nvCxnSpPr>
@@ -32721,7 +33728,7 @@
         </p:cxnSp>
         <p:cxnSp>
           <p:nvCxnSpPr>
-            <p:cNvPr id="444" name="Google Shape;444;p34"/>
+            <p:cNvPr id="453" name="Google Shape;453;p35"/>
             <p:cNvCxnSpPr/>
             <p:nvPr/>
           </p:nvCxnSpPr>
@@ -32747,7 +33754,7 @@
         </p:cxnSp>
         <p:cxnSp>
           <p:nvCxnSpPr>
-            <p:cNvPr id="445" name="Google Shape;445;p34"/>
+            <p:cNvPr id="454" name="Google Shape;454;p35"/>
             <p:cNvCxnSpPr/>
             <p:nvPr/>
           </p:nvCxnSpPr>
@@ -32773,7 +33780,7 @@
         </p:cxnSp>
         <p:grpSp>
           <p:nvGrpSpPr>
-            <p:cNvPr id="446" name="Google Shape;446;p34"/>
+            <p:cNvPr id="455" name="Google Shape;455;p35"/>
             <p:cNvGrpSpPr/>
             <p:nvPr/>
           </p:nvGrpSpPr>
@@ -32787,7 +33794,7 @@
           </p:grpSpPr>
           <p:sp>
             <p:nvSpPr>
-              <p:cNvPr id="447" name="Google Shape;447;p34"/>
+              <p:cNvPr id="456" name="Google Shape;456;p35"/>
               <p:cNvSpPr/>
               <p:nvPr/>
             </p:nvSpPr>
@@ -32838,7 +33845,7 @@
           </p:sp>
           <p:sp>
             <p:nvSpPr>
-              <p:cNvPr id="448" name="Google Shape;448;p34"/>
+              <p:cNvPr id="457" name="Google Shape;457;p35"/>
               <p:cNvSpPr/>
               <p:nvPr/>
             </p:nvSpPr>
@@ -32889,7 +33896,7 @@
           </p:sp>
           <p:sp>
             <p:nvSpPr>
-              <p:cNvPr id="449" name="Google Shape;449;p34"/>
+              <p:cNvPr id="458" name="Google Shape;458;p35"/>
               <p:cNvSpPr/>
               <p:nvPr/>
             </p:nvSpPr>
@@ -32940,7 +33947,7 @@
           </p:sp>
           <p:sp>
             <p:nvSpPr>
-              <p:cNvPr id="450" name="Google Shape;450;p34"/>
+              <p:cNvPr id="459" name="Google Shape;459;p35"/>
               <p:cNvSpPr/>
               <p:nvPr/>
             </p:nvSpPr>
@@ -32991,7 +33998,7 @@
           </p:sp>
           <p:sp>
             <p:nvSpPr>
-              <p:cNvPr id="451" name="Google Shape;451;p34"/>
+              <p:cNvPr id="460" name="Google Shape;460;p35"/>
               <p:cNvSpPr/>
               <p:nvPr/>
             </p:nvSpPr>
@@ -33042,7 +34049,7 @@
           </p:sp>
           <p:sp>
             <p:nvSpPr>
-              <p:cNvPr id="452" name="Google Shape;452;p34"/>
+              <p:cNvPr id="461" name="Google Shape;461;p35"/>
               <p:cNvSpPr/>
               <p:nvPr/>
             </p:nvSpPr>
@@ -33093,7 +34100,7 @@
           </p:sp>
           <p:sp>
             <p:nvSpPr>
-              <p:cNvPr id="453" name="Google Shape;453;p34"/>
+              <p:cNvPr id="462" name="Google Shape;462;p35"/>
               <p:cNvSpPr/>
               <p:nvPr/>
             </p:nvSpPr>
@@ -33144,7 +34151,7 @@
           </p:sp>
           <p:sp>
             <p:nvSpPr>
-              <p:cNvPr id="454" name="Google Shape;454;p34"/>
+              <p:cNvPr id="463" name="Google Shape;463;p35"/>
               <p:cNvSpPr/>
               <p:nvPr/>
             </p:nvSpPr>
@@ -33195,7 +34202,7 @@
           </p:sp>
           <p:sp>
             <p:nvSpPr>
-              <p:cNvPr id="455" name="Google Shape;455;p34"/>
+              <p:cNvPr id="464" name="Google Shape;464;p35"/>
               <p:cNvSpPr/>
               <p:nvPr/>
             </p:nvSpPr>
@@ -33246,7 +34253,7 @@
           </p:sp>
           <p:sp>
             <p:nvSpPr>
-              <p:cNvPr id="456" name="Google Shape;456;p34"/>
+              <p:cNvPr id="465" name="Google Shape;465;p35"/>
               <p:cNvSpPr/>
               <p:nvPr/>
             </p:nvSpPr>
@@ -33297,7 +34304,7 @@
           </p:sp>
           <p:sp>
             <p:nvSpPr>
-              <p:cNvPr id="457" name="Google Shape;457;p34"/>
+              <p:cNvPr id="466" name="Google Shape;466;p35"/>
               <p:cNvSpPr/>
               <p:nvPr/>
             </p:nvSpPr>
@@ -33348,7 +34355,7 @@
           </p:sp>
           <p:sp>
             <p:nvSpPr>
-              <p:cNvPr id="458" name="Google Shape;458;p34"/>
+              <p:cNvPr id="467" name="Google Shape;467;p35"/>
               <p:cNvSpPr/>
               <p:nvPr/>
             </p:nvSpPr>
@@ -33399,7 +34406,7 @@
           </p:sp>
           <p:sp>
             <p:nvSpPr>
-              <p:cNvPr id="459" name="Google Shape;459;p34"/>
+              <p:cNvPr id="468" name="Google Shape;468;p35"/>
               <p:cNvSpPr/>
               <p:nvPr/>
             </p:nvSpPr>
@@ -33450,7 +34457,7 @@
           </p:sp>
           <p:cxnSp>
             <p:nvCxnSpPr>
-              <p:cNvPr id="460" name="Google Shape;460;p34"/>
+              <p:cNvPr id="469" name="Google Shape;469;p35"/>
               <p:cNvCxnSpPr/>
               <p:nvPr/>
             </p:nvCxnSpPr>
@@ -33476,7 +34483,7 @@
           </p:cxnSp>
           <p:cxnSp>
             <p:nvCxnSpPr>
-              <p:cNvPr id="461" name="Google Shape;461;p34"/>
+              <p:cNvPr id="470" name="Google Shape;470;p35"/>
               <p:cNvCxnSpPr/>
               <p:nvPr/>
             </p:nvCxnSpPr>
@@ -33502,7 +34509,7 @@
           </p:cxnSp>
           <p:cxnSp>
             <p:nvCxnSpPr>
-              <p:cNvPr id="462" name="Google Shape;462;p34"/>
+              <p:cNvPr id="471" name="Google Shape;471;p35"/>
               <p:cNvCxnSpPr/>
               <p:nvPr/>
             </p:nvCxnSpPr>
@@ -33528,7 +34535,7 @@
           </p:cxnSp>
           <p:cxnSp>
             <p:nvCxnSpPr>
-              <p:cNvPr id="463" name="Google Shape;463;p34"/>
+              <p:cNvPr id="472" name="Google Shape;472;p35"/>
               <p:cNvCxnSpPr/>
               <p:nvPr/>
             </p:nvCxnSpPr>
@@ -33554,7 +34561,7 @@
           </p:cxnSp>
           <p:cxnSp>
             <p:nvCxnSpPr>
-              <p:cNvPr id="464" name="Google Shape;464;p34"/>
+              <p:cNvPr id="473" name="Google Shape;473;p35"/>
               <p:cNvCxnSpPr/>
               <p:nvPr/>
             </p:nvCxnSpPr>
@@ -33580,7 +34587,7 @@
           </p:cxnSp>
           <p:cxnSp>
             <p:nvCxnSpPr>
-              <p:cNvPr id="465" name="Google Shape;465;p34"/>
+              <p:cNvPr id="474" name="Google Shape;474;p35"/>
               <p:cNvCxnSpPr/>
               <p:nvPr/>
             </p:nvCxnSpPr>
@@ -33606,7 +34613,7 @@
           </p:cxnSp>
           <p:cxnSp>
             <p:nvCxnSpPr>
-              <p:cNvPr id="466" name="Google Shape;466;p34"/>
+              <p:cNvPr id="475" name="Google Shape;475;p35"/>
               <p:cNvCxnSpPr/>
               <p:nvPr/>
             </p:nvCxnSpPr>
@@ -33632,7 +34639,7 @@
           </p:cxnSp>
           <p:cxnSp>
             <p:nvCxnSpPr>
-              <p:cNvPr id="467" name="Google Shape;467;p34"/>
+              <p:cNvPr id="476" name="Google Shape;476;p35"/>
               <p:cNvCxnSpPr/>
               <p:nvPr/>
             </p:nvCxnSpPr>
@@ -33658,7 +34665,7 @@
           </p:cxnSp>
           <p:cxnSp>
             <p:nvCxnSpPr>
-              <p:cNvPr id="468" name="Google Shape;468;p34"/>
+              <p:cNvPr id="477" name="Google Shape;477;p35"/>
               <p:cNvCxnSpPr/>
               <p:nvPr/>
             </p:nvCxnSpPr>
@@ -33685,7 +34692,7 @@
         </p:grpSp>
         <p:grpSp>
           <p:nvGrpSpPr>
-            <p:cNvPr id="469" name="Google Shape;469;p34"/>
+            <p:cNvPr id="478" name="Google Shape;478;p35"/>
             <p:cNvGrpSpPr/>
             <p:nvPr/>
           </p:nvGrpSpPr>
@@ -33699,7 +34706,7 @@
           </p:grpSpPr>
           <p:sp>
             <p:nvSpPr>
-              <p:cNvPr id="470" name="Google Shape;470;p34"/>
+              <p:cNvPr id="479" name="Google Shape;479;p35"/>
               <p:cNvSpPr/>
               <p:nvPr/>
             </p:nvSpPr>
@@ -33750,7 +34757,7 @@
           </p:sp>
           <p:sp>
             <p:nvSpPr>
-              <p:cNvPr id="471" name="Google Shape;471;p34"/>
+              <p:cNvPr id="480" name="Google Shape;480;p35"/>
               <p:cNvSpPr/>
               <p:nvPr/>
             </p:nvSpPr>
@@ -33801,7 +34808,7 @@
           </p:sp>
           <p:sp>
             <p:nvSpPr>
-              <p:cNvPr id="472" name="Google Shape;472;p34"/>
+              <p:cNvPr id="481" name="Google Shape;481;p35"/>
               <p:cNvSpPr/>
               <p:nvPr/>
             </p:nvSpPr>
@@ -33852,7 +34859,7 @@
           </p:sp>
           <p:sp>
             <p:nvSpPr>
-              <p:cNvPr id="473" name="Google Shape;473;p34"/>
+              <p:cNvPr id="482" name="Google Shape;482;p35"/>
               <p:cNvSpPr/>
               <p:nvPr/>
             </p:nvSpPr>
@@ -33903,7 +34910,7 @@
           </p:sp>
           <p:sp>
             <p:nvSpPr>
-              <p:cNvPr id="474" name="Google Shape;474;p34"/>
+              <p:cNvPr id="483" name="Google Shape;483;p35"/>
               <p:cNvSpPr/>
               <p:nvPr/>
             </p:nvSpPr>
@@ -33954,7 +34961,7 @@
           </p:sp>
           <p:sp>
             <p:nvSpPr>
-              <p:cNvPr id="475" name="Google Shape;475;p34"/>
+              <p:cNvPr id="484" name="Google Shape;484;p35"/>
               <p:cNvSpPr/>
               <p:nvPr/>
             </p:nvSpPr>
@@ -34005,7 +35012,7 @@
           </p:sp>
           <p:sp>
             <p:nvSpPr>
-              <p:cNvPr id="476" name="Google Shape;476;p34"/>
+              <p:cNvPr id="485" name="Google Shape;485;p35"/>
               <p:cNvSpPr/>
               <p:nvPr/>
             </p:nvSpPr>
@@ -34056,7 +35063,7 @@
           </p:sp>
           <p:sp>
             <p:nvSpPr>
-              <p:cNvPr id="477" name="Google Shape;477;p34"/>
+              <p:cNvPr id="486" name="Google Shape;486;p35"/>
               <p:cNvSpPr/>
               <p:nvPr/>
             </p:nvSpPr>
@@ -34107,7 +35114,7 @@
           </p:sp>
           <p:sp>
             <p:nvSpPr>
-              <p:cNvPr id="478" name="Google Shape;478;p34"/>
+              <p:cNvPr id="487" name="Google Shape;487;p35"/>
               <p:cNvSpPr/>
               <p:nvPr/>
             </p:nvSpPr>
@@ -34158,7 +35165,7 @@
           </p:sp>
           <p:sp>
             <p:nvSpPr>
-              <p:cNvPr id="479" name="Google Shape;479;p34"/>
+              <p:cNvPr id="488" name="Google Shape;488;p35"/>
               <p:cNvSpPr/>
               <p:nvPr/>
             </p:nvSpPr>
@@ -34209,7 +35216,7 @@
           </p:sp>
           <p:sp>
             <p:nvSpPr>
-              <p:cNvPr id="480" name="Google Shape;480;p34"/>
+              <p:cNvPr id="489" name="Google Shape;489;p35"/>
               <p:cNvSpPr/>
               <p:nvPr/>
             </p:nvSpPr>
@@ -34260,7 +35267,7 @@
           </p:sp>
           <p:sp>
             <p:nvSpPr>
-              <p:cNvPr id="481" name="Google Shape;481;p34"/>
+              <p:cNvPr id="490" name="Google Shape;490;p35"/>
               <p:cNvSpPr/>
               <p:nvPr/>
             </p:nvSpPr>
@@ -34311,7 +35318,7 @@
           </p:sp>
           <p:sp>
             <p:nvSpPr>
-              <p:cNvPr id="482" name="Google Shape;482;p34"/>
+              <p:cNvPr id="491" name="Google Shape;491;p35"/>
               <p:cNvSpPr/>
               <p:nvPr/>
             </p:nvSpPr>
@@ -34362,7 +35369,7 @@
           </p:sp>
           <p:cxnSp>
             <p:nvCxnSpPr>
-              <p:cNvPr id="483" name="Google Shape;483;p34"/>
+              <p:cNvPr id="492" name="Google Shape;492;p35"/>
               <p:cNvCxnSpPr/>
               <p:nvPr/>
             </p:nvCxnSpPr>
@@ -34388,7 +35395,7 @@
           </p:cxnSp>
           <p:cxnSp>
             <p:nvCxnSpPr>
-              <p:cNvPr id="484" name="Google Shape;484;p34"/>
+              <p:cNvPr id="493" name="Google Shape;493;p35"/>
               <p:cNvCxnSpPr/>
               <p:nvPr/>
             </p:nvCxnSpPr>
@@ -34414,7 +35421,7 @@
           </p:cxnSp>
           <p:cxnSp>
             <p:nvCxnSpPr>
-              <p:cNvPr id="485" name="Google Shape;485;p34"/>
+              <p:cNvPr id="494" name="Google Shape;494;p35"/>
               <p:cNvCxnSpPr/>
               <p:nvPr/>
             </p:nvCxnSpPr>
@@ -34440,7 +35447,7 @@
           </p:cxnSp>
           <p:cxnSp>
             <p:nvCxnSpPr>
-              <p:cNvPr id="486" name="Google Shape;486;p34"/>
+              <p:cNvPr id="495" name="Google Shape;495;p35"/>
               <p:cNvCxnSpPr/>
               <p:nvPr/>
             </p:nvCxnSpPr>
@@ -34466,7 +35473,7 @@
           </p:cxnSp>
           <p:cxnSp>
             <p:nvCxnSpPr>
-              <p:cNvPr id="487" name="Google Shape;487;p34"/>
+              <p:cNvPr id="496" name="Google Shape;496;p35"/>
               <p:cNvCxnSpPr/>
               <p:nvPr/>
             </p:nvCxnSpPr>
@@ -34492,7 +35499,7 @@
           </p:cxnSp>
           <p:cxnSp>
             <p:nvCxnSpPr>
-              <p:cNvPr id="488" name="Google Shape;488;p34"/>
+              <p:cNvPr id="497" name="Google Shape;497;p35"/>
               <p:cNvCxnSpPr/>
               <p:nvPr/>
             </p:nvCxnSpPr>
@@ -34518,7 +35525,7 @@
           </p:cxnSp>
           <p:cxnSp>
             <p:nvCxnSpPr>
-              <p:cNvPr id="489" name="Google Shape;489;p34"/>
+              <p:cNvPr id="498" name="Google Shape;498;p35"/>
               <p:cNvCxnSpPr/>
               <p:nvPr/>
             </p:nvCxnSpPr>
@@ -34544,7 +35551,7 @@
           </p:cxnSp>
           <p:cxnSp>
             <p:nvCxnSpPr>
-              <p:cNvPr id="490" name="Google Shape;490;p34"/>
+              <p:cNvPr id="499" name="Google Shape;499;p35"/>
               <p:cNvCxnSpPr/>
               <p:nvPr/>
             </p:nvCxnSpPr>
@@ -34570,7 +35577,7 @@
           </p:cxnSp>
           <p:cxnSp>
             <p:nvCxnSpPr>
-              <p:cNvPr id="491" name="Google Shape;491;p34"/>
+              <p:cNvPr id="500" name="Google Shape;500;p35"/>
               <p:cNvCxnSpPr/>
               <p:nvPr/>
             </p:nvCxnSpPr>
@@ -34597,7 +35604,7 @@
         </p:grpSp>
         <p:grpSp>
           <p:nvGrpSpPr>
-            <p:cNvPr id="492" name="Google Shape;492;p34"/>
+            <p:cNvPr id="501" name="Google Shape;501;p35"/>
             <p:cNvGrpSpPr/>
             <p:nvPr/>
           </p:nvGrpSpPr>
@@ -34611,7 +35618,7 @@
           </p:grpSpPr>
           <p:sp>
             <p:nvSpPr>
-              <p:cNvPr id="493" name="Google Shape;493;p34"/>
+              <p:cNvPr id="502" name="Google Shape;502;p35"/>
               <p:cNvSpPr/>
               <p:nvPr/>
             </p:nvSpPr>
@@ -34662,7 +35669,7 @@
           </p:sp>
           <p:sp>
             <p:nvSpPr>
-              <p:cNvPr id="494" name="Google Shape;494;p34"/>
+              <p:cNvPr id="503" name="Google Shape;503;p35"/>
               <p:cNvSpPr/>
               <p:nvPr/>
             </p:nvSpPr>
@@ -34713,7 +35720,7 @@
           </p:sp>
           <p:sp>
             <p:nvSpPr>
-              <p:cNvPr id="495" name="Google Shape;495;p34"/>
+              <p:cNvPr id="504" name="Google Shape;504;p35"/>
               <p:cNvSpPr/>
               <p:nvPr/>
             </p:nvSpPr>
@@ -34764,7 +35771,7 @@
           </p:sp>
           <p:sp>
             <p:nvSpPr>
-              <p:cNvPr id="496" name="Google Shape;496;p34"/>
+              <p:cNvPr id="505" name="Google Shape;505;p35"/>
               <p:cNvSpPr/>
               <p:nvPr/>
             </p:nvSpPr>
@@ -34815,7 +35822,7 @@
           </p:sp>
           <p:sp>
             <p:nvSpPr>
-              <p:cNvPr id="497" name="Google Shape;497;p34"/>
+              <p:cNvPr id="506" name="Google Shape;506;p35"/>
               <p:cNvSpPr/>
               <p:nvPr/>
             </p:nvSpPr>
@@ -34866,7 +35873,7 @@
           </p:sp>
           <p:sp>
             <p:nvSpPr>
-              <p:cNvPr id="498" name="Google Shape;498;p34"/>
+              <p:cNvPr id="507" name="Google Shape;507;p35"/>
               <p:cNvSpPr/>
               <p:nvPr/>
             </p:nvSpPr>
@@ -34917,7 +35924,7 @@
           </p:sp>
           <p:sp>
             <p:nvSpPr>
-              <p:cNvPr id="499" name="Google Shape;499;p34"/>
+              <p:cNvPr id="508" name="Google Shape;508;p35"/>
               <p:cNvSpPr/>
               <p:nvPr/>
             </p:nvSpPr>
@@ -34968,7 +35975,7 @@
           </p:sp>
           <p:sp>
             <p:nvSpPr>
-              <p:cNvPr id="500" name="Google Shape;500;p34"/>
+              <p:cNvPr id="509" name="Google Shape;509;p35"/>
               <p:cNvSpPr/>
               <p:nvPr/>
             </p:nvSpPr>
@@ -35019,7 +36026,7 @@
           </p:sp>
           <p:sp>
             <p:nvSpPr>
-              <p:cNvPr id="501" name="Google Shape;501;p34"/>
+              <p:cNvPr id="510" name="Google Shape;510;p35"/>
               <p:cNvSpPr/>
               <p:nvPr/>
             </p:nvSpPr>
@@ -35070,7 +36077,7 @@
           </p:sp>
           <p:sp>
             <p:nvSpPr>
-              <p:cNvPr id="502" name="Google Shape;502;p34"/>
+              <p:cNvPr id="511" name="Google Shape;511;p35"/>
               <p:cNvSpPr/>
               <p:nvPr/>
             </p:nvSpPr>
@@ -35121,7 +36128,7 @@
           </p:sp>
           <p:sp>
             <p:nvSpPr>
-              <p:cNvPr id="503" name="Google Shape;503;p34"/>
+              <p:cNvPr id="512" name="Google Shape;512;p35"/>
               <p:cNvSpPr/>
               <p:nvPr/>
             </p:nvSpPr>
@@ -35172,7 +36179,7 @@
           </p:sp>
           <p:sp>
             <p:nvSpPr>
-              <p:cNvPr id="504" name="Google Shape;504;p34"/>
+              <p:cNvPr id="513" name="Google Shape;513;p35"/>
               <p:cNvSpPr/>
               <p:nvPr/>
             </p:nvSpPr>
@@ -35223,7 +36230,7 @@
           </p:sp>
           <p:sp>
             <p:nvSpPr>
-              <p:cNvPr id="505" name="Google Shape;505;p34"/>
+              <p:cNvPr id="514" name="Google Shape;514;p35"/>
               <p:cNvSpPr/>
               <p:nvPr/>
             </p:nvSpPr>
@@ -35274,7 +36281,7 @@
           </p:sp>
           <p:cxnSp>
             <p:nvCxnSpPr>
-              <p:cNvPr id="506" name="Google Shape;506;p34"/>
+              <p:cNvPr id="515" name="Google Shape;515;p35"/>
               <p:cNvCxnSpPr/>
               <p:nvPr/>
             </p:nvCxnSpPr>
@@ -35300,7 +36307,7 @@
           </p:cxnSp>
           <p:cxnSp>
             <p:nvCxnSpPr>
-              <p:cNvPr id="507" name="Google Shape;507;p34"/>
+              <p:cNvPr id="516" name="Google Shape;516;p35"/>
               <p:cNvCxnSpPr/>
               <p:nvPr/>
             </p:nvCxnSpPr>
@@ -35326,7 +36333,7 @@
           </p:cxnSp>
           <p:cxnSp>
             <p:nvCxnSpPr>
-              <p:cNvPr id="508" name="Google Shape;508;p34"/>
+              <p:cNvPr id="517" name="Google Shape;517;p35"/>
               <p:cNvCxnSpPr/>
               <p:nvPr/>
             </p:nvCxnSpPr>
@@ -35352,7 +36359,7 @@
           </p:cxnSp>
           <p:cxnSp>
             <p:nvCxnSpPr>
-              <p:cNvPr id="509" name="Google Shape;509;p34"/>
+              <p:cNvPr id="518" name="Google Shape;518;p35"/>
               <p:cNvCxnSpPr/>
               <p:nvPr/>
             </p:nvCxnSpPr>
@@ -35378,7 +36385,7 @@
           </p:cxnSp>
           <p:cxnSp>
             <p:nvCxnSpPr>
-              <p:cNvPr id="510" name="Google Shape;510;p34"/>
+              <p:cNvPr id="519" name="Google Shape;519;p35"/>
               <p:cNvCxnSpPr/>
               <p:nvPr/>
             </p:nvCxnSpPr>
@@ -35404,7 +36411,7 @@
           </p:cxnSp>
           <p:cxnSp>
             <p:nvCxnSpPr>
-              <p:cNvPr id="511" name="Google Shape;511;p34"/>
+              <p:cNvPr id="520" name="Google Shape;520;p35"/>
               <p:cNvCxnSpPr/>
               <p:nvPr/>
             </p:nvCxnSpPr>
@@ -35430,7 +36437,7 @@
           </p:cxnSp>
           <p:cxnSp>
             <p:nvCxnSpPr>
-              <p:cNvPr id="512" name="Google Shape;512;p34"/>
+              <p:cNvPr id="521" name="Google Shape;521;p35"/>
               <p:cNvCxnSpPr/>
               <p:nvPr/>
             </p:nvCxnSpPr>
@@ -35456,7 +36463,7 @@
           </p:cxnSp>
           <p:cxnSp>
             <p:nvCxnSpPr>
-              <p:cNvPr id="513" name="Google Shape;513;p34"/>
+              <p:cNvPr id="522" name="Google Shape;522;p35"/>
               <p:cNvCxnSpPr/>
               <p:nvPr/>
             </p:nvCxnSpPr>
@@ -35482,7 +36489,7 @@
           </p:cxnSp>
           <p:cxnSp>
             <p:nvCxnSpPr>
-              <p:cNvPr id="514" name="Google Shape;514;p34"/>
+              <p:cNvPr id="523" name="Google Shape;523;p35"/>
               <p:cNvCxnSpPr/>
               <p:nvPr/>
             </p:nvCxnSpPr>
@@ -35510,10 +36517,10 @@
       </p:grpSp>
       <p:cxnSp>
         <p:nvCxnSpPr>
-          <p:cNvPr id="515" name="Google Shape;515;p34"/>
+          <p:cNvPr id="524" name="Google Shape;524;p35"/>
           <p:cNvCxnSpPr>
-            <a:stCxn id="438" idx="2"/>
-            <a:endCxn id="414" idx="2"/>
+            <a:stCxn id="447" idx="2"/>
+            <a:endCxn id="423" idx="2"/>
           </p:cNvCxnSpPr>
           <p:nvPr/>
         </p:nvCxnSpPr>
@@ -35541,7 +36548,7 @@
       </p:cxnSp>
       <p:sp>
         <p:nvSpPr>
-          <p:cNvPr id="516" name="Google Shape;516;p34"/>
+          <p:cNvPr id="525" name="Google Shape;525;p35"/>
           <p:cNvSpPr txBox="1"/>
           <p:nvPr>
             <p:ph idx="12" type="sldNum"/>
@@ -35587,12 +36594,12 @@
 </p:sld>
 </file>
 
-<file path=ppt/slides/slide6.xml><?xml version="1.0" encoding="utf-8"?>
+<file path=ppt/slides/slide7.xml><?xml version="1.0" encoding="utf-8"?>
 <p:sld xmlns:a="http://schemas.openxmlformats.org/drawingml/2006/main" xmlns:r="http://schemas.openxmlformats.org/officeDocument/2006/relationships" xmlns:mc="http://schemas.openxmlformats.org/markup-compatibility/2006" xmlns:mv="urn:schemas-microsoft-com:mac:vml" xmlns:p="http://schemas.openxmlformats.org/presentationml/2006/main" xmlns:c="http://schemas.openxmlformats.org/drawingml/2006/chart" xmlns:dgm="http://schemas.openxmlformats.org/drawingml/2006/diagram" xmlns:o="urn:schemas-microsoft-com:office:office" xmlns:v="urn:schemas-microsoft-com:vml" xmlns:pvml="urn:schemas-microsoft-com:office:powerpoint" xmlns:com="http://schemas.openxmlformats.org/drawingml/2006/compatibility" xmlns:p14="http://schemas.microsoft.com/office/powerpoint/2010/main" xmlns:p15="http://schemas.microsoft.com/office/powerpoint/2012/main" xmlns:ahyp="http://schemas.microsoft.com/office/drawing/2018/hyperlinkcolor">
   <p:cSld>
     <p:spTree>
       <p:nvGrpSpPr>
-        <p:cNvPr id="520" name="Shape 520"/>
+        <p:cNvPr id="529" name="Shape 529"/>
         <p:cNvGrpSpPr/>
         <p:nvPr/>
       </p:nvGrpSpPr>
@@ -35606,7 +36613,7 @@
       </p:grpSpPr>
       <p:sp>
         <p:nvSpPr>
-          <p:cNvPr id="521" name="Google Shape;521;p35"/>
+          <p:cNvPr id="530" name="Google Shape;530;p36"/>
           <p:cNvSpPr txBox="1"/>
           <p:nvPr>
             <p:ph type="title"/>
@@ -35646,7 +36653,7 @@
       </p:sp>
       <p:sp>
         <p:nvSpPr>
-          <p:cNvPr id="522" name="Google Shape;522;p35"/>
+          <p:cNvPr id="531" name="Google Shape;531;p36"/>
           <p:cNvSpPr txBox="1"/>
           <p:nvPr>
             <p:ph idx="1" type="subTitle"/>
@@ -35731,7 +36738,7 @@
       </p:sp>
       <p:sp>
         <p:nvSpPr>
-          <p:cNvPr id="523" name="Google Shape;523;p35"/>
+          <p:cNvPr id="532" name="Google Shape;532;p36"/>
           <p:cNvSpPr txBox="1"/>
           <p:nvPr>
             <p:ph idx="12" type="sldNum"/>
@@ -35778,6 +36785,285 @@
 </file>
 
 <file path=ppt/theme/theme1.xml><?xml version="1.0" encoding="utf-8"?>
+<a:theme xmlns:a="http://schemas.openxmlformats.org/drawingml/2006/main" xmlns:r="http://schemas.openxmlformats.org/officeDocument/2006/relationships">
+  <a:themeElements>
+    <a:clrScheme name="Default">
+      <a:dk1>
+        <a:srgbClr val="000000"/>
+      </a:dk1>
+      <a:lt1>
+        <a:srgbClr val="FFFFFF"/>
+      </a:lt1>
+      <a:dk2>
+        <a:srgbClr val="158158"/>
+      </a:dk2>
+      <a:lt2>
+        <a:srgbClr val="F3F3F3"/>
+      </a:lt2>
+      <a:accent1>
+        <a:srgbClr val="058DC7"/>
+      </a:accent1>
+      <a:accent2>
+        <a:srgbClr val="50B432"/>
+      </a:accent2>
+      <a:accent3>
+        <a:srgbClr val="ED561B"/>
+      </a:accent3>
+      <a:accent4>
+        <a:srgbClr val="EDEF00"/>
+      </a:accent4>
+      <a:accent5>
+        <a:srgbClr val="24CBE5"/>
+      </a:accent5>
+      <a:accent6>
+        <a:srgbClr val="64E572"/>
+      </a:accent6>
+      <a:hlink>
+        <a:srgbClr val="2200CC"/>
+      </a:hlink>
+      <a:folHlink>
+        <a:srgbClr val="551A8B"/>
+      </a:folHlink>
+    </a:clrScheme>
+    <a:fontScheme name="Office">
+      <a:majorFont>
+        <a:latin typeface="Arial"/>
+        <a:ea typeface=""/>
+        <a:cs typeface=""/>
+        <a:font script="Jpan" typeface="ＭＳ Ｐゴシック"/>
+        <a:font script="Hang" typeface="맑은 고딕"/>
+        <a:font script="Hans" typeface="宋体"/>
+        <a:font script="Hant" typeface="新細明體"/>
+        <a:font script="Arab" typeface="Times New Roman"/>
+        <a:font script="Hebr" typeface="Times New Roman"/>
+        <a:font script="Thai" typeface="Angsana New"/>
+        <a:font script="Ethi" typeface="Nyala"/>
+        <a:font script="Beng" typeface="Vrinda"/>
+        <a:font script="Gujr" typeface="Shruti"/>
+        <a:font script="Khmr" typeface="MoolBoran"/>
+        <a:font script="Knda" typeface="Tunga"/>
+        <a:font script="Guru" typeface="Raavi"/>
+        <a:font script="Cans" typeface="Euphemia"/>
+        <a:font script="Cher" typeface="Plantagenet Cherokee"/>
+        <a:font script="Yiii" typeface="Microsoft Yi Baiti"/>
+        <a:font script="Tibt" typeface="Microsoft Himalaya"/>
+        <a:font script="Thaa" typeface="MV Boli"/>
+        <a:font script="Deva" typeface="Mangal"/>
+        <a:font script="Telu" typeface="Gautami"/>
+        <a:font script="Taml" typeface="Latha"/>
+        <a:font script="Syrc" typeface="Estrangelo Edessa"/>
+        <a:font script="Orya" typeface="Kalinga"/>
+        <a:font script="Mlym" typeface="Kartika"/>
+        <a:font script="Laoo" typeface="DokChampa"/>
+        <a:font script="Sinh" typeface="Iskoola Pota"/>
+        <a:font script="Mong" typeface="Mongolian Baiti"/>
+        <a:font script="Viet" typeface="Times New Roman"/>
+        <a:font script="Uigh" typeface="Microsoft Uighur"/>
+        <a:font script="Geor" typeface="Sylfaen"/>
+      </a:majorFont>
+      <a:minorFont>
+        <a:latin typeface="Arial"/>
+        <a:ea typeface=""/>
+        <a:cs typeface=""/>
+        <a:font script="Jpan" typeface="ＭＳ Ｐゴシック"/>
+        <a:font script="Hang" typeface="맑은 고딕"/>
+        <a:font script="Hans" typeface="宋体"/>
+        <a:font script="Hant" typeface="新細明體"/>
+        <a:font script="Arab" typeface="Arial"/>
+        <a:font script="Hebr" typeface="Arial"/>
+        <a:font script="Thai" typeface="Cordia New"/>
+        <a:font script="Ethi" typeface="Nyala"/>
+        <a:font script="Beng" typeface="Vrinda"/>
+        <a:font script="Gujr" typeface="Shruti"/>
+        <a:font script="Khmr" typeface="DaunPenh"/>
+        <a:font script="Knda" typeface="Tunga"/>
+        <a:font script="Guru" typeface="Raavi"/>
+        <a:font script="Cans" typeface="Euphemia"/>
+        <a:font script="Cher" typeface="Plantagenet Cherokee"/>
+        <a:font script="Yiii" typeface="Microsoft Yi Baiti"/>
+        <a:font script="Tibt" typeface="Microsoft Himalaya"/>
+        <a:font script="Thaa" typeface="MV Boli"/>
+        <a:font script="Deva" typeface="Mangal"/>
+        <a:font script="Telu" typeface="Gautami"/>
+        <a:font script="Taml" typeface="Latha"/>
+        <a:font script="Syrc" typeface="Estrangelo Edessa"/>
+        <a:font script="Orya" typeface="Kalinga"/>
+        <a:font script="Mlym" typeface="Kartika"/>
+        <a:font script="Laoo" typeface="DokChampa"/>
+        <a:font script="Sinh" typeface="Iskoola Pota"/>
+        <a:font script="Mong" typeface="Mongolian Baiti"/>
+        <a:font script="Viet" typeface="Arial"/>
+        <a:font script="Uigh" typeface="Microsoft Uighur"/>
+        <a:font script="Geor" typeface="Sylfaen"/>
+      </a:minorFont>
+    </a:fontScheme>
+    <a:fmtScheme name="Office">
+      <a:fillStyleLst>
+        <a:solidFill>
+          <a:schemeClr val="phClr"/>
+        </a:solidFill>
+        <a:gradFill rotWithShape="1">
+          <a:gsLst>
+            <a:gs pos="0">
+              <a:schemeClr val="phClr">
+                <a:tint val="50000"/>
+                <a:satMod val="300000"/>
+              </a:schemeClr>
+            </a:gs>
+            <a:gs pos="35000">
+              <a:schemeClr val="phClr">
+                <a:tint val="37000"/>
+                <a:satMod val="300000"/>
+              </a:schemeClr>
+            </a:gs>
+            <a:gs pos="100000">
+              <a:schemeClr val="phClr">
+                <a:tint val="15000"/>
+                <a:satMod val="350000"/>
+              </a:schemeClr>
+            </a:gs>
+          </a:gsLst>
+          <a:lin ang="16200000" scaled="1"/>
+        </a:gradFill>
+        <a:gradFill rotWithShape="1">
+          <a:gsLst>
+            <a:gs pos="0">
+              <a:schemeClr val="phClr">
+                <a:tint val="100000"/>
+                <a:shade val="100000"/>
+                <a:satMod val="130000"/>
+              </a:schemeClr>
+            </a:gs>
+            <a:gs pos="100000">
+              <a:schemeClr val="phClr">
+                <a:tint val="50000"/>
+                <a:shade val="100000"/>
+                <a:satMod val="350000"/>
+              </a:schemeClr>
+            </a:gs>
+          </a:gsLst>
+          <a:lin ang="16200000" scaled="0"/>
+        </a:gradFill>
+      </a:fillStyleLst>
+      <a:lnStyleLst>
+        <a:ln w="9525" cap="flat" cmpd="sng" algn="ctr">
+          <a:solidFill>
+            <a:schemeClr val="phClr">
+              <a:shade val="95000"/>
+              <a:satMod val="105000"/>
+            </a:schemeClr>
+          </a:solidFill>
+          <a:prstDash val="solid"/>
+        </a:ln>
+        <a:ln w="25400" cap="flat" cmpd="sng" algn="ctr">
+          <a:solidFill>
+            <a:schemeClr val="phClr"/>
+          </a:solidFill>
+          <a:prstDash val="solid"/>
+        </a:ln>
+        <a:ln w="38100" cap="flat" cmpd="sng" algn="ctr">
+          <a:solidFill>
+            <a:schemeClr val="phClr"/>
+          </a:solidFill>
+          <a:prstDash val="solid"/>
+        </a:ln>
+      </a:lnStyleLst>
+      <a:effectStyleLst>
+        <a:effectStyle>
+          <a:effectLst>
+            <a:outerShdw blurRad="40000" dist="20000" dir="5400000" rotWithShape="0">
+              <a:srgbClr val="000000">
+                <a:alpha val="38000"/>
+              </a:srgbClr>
+            </a:outerShdw>
+          </a:effectLst>
+        </a:effectStyle>
+        <a:effectStyle>
+          <a:effectLst>
+            <a:outerShdw blurRad="40000" dist="23000" dir="5400000" rotWithShape="0">
+              <a:srgbClr val="000000">
+                <a:alpha val="35000"/>
+              </a:srgbClr>
+            </a:outerShdw>
+          </a:effectLst>
+        </a:effectStyle>
+        <a:effectStyle>
+          <a:effectLst>
+            <a:outerShdw blurRad="40000" dist="23000" dir="5400000" rotWithShape="0">
+              <a:srgbClr val="000000">
+                <a:alpha val="35000"/>
+              </a:srgbClr>
+            </a:outerShdw>
+          </a:effectLst>
+          <a:scene3d>
+            <a:camera prst="orthographicFront">
+              <a:rot lat="0" lon="0" rev="0"/>
+            </a:camera>
+            <a:lightRig rig="threePt" dir="t">
+              <a:rot lat="0" lon="0" rev="1200000"/>
+            </a:lightRig>
+          </a:scene3d>
+          <a:sp3d>
+            <a:bevelT w="63500" h="25400"/>
+          </a:sp3d>
+        </a:effectStyle>
+      </a:effectStyleLst>
+      <a:bgFillStyleLst>
+        <a:solidFill>
+          <a:schemeClr val="phClr"/>
+        </a:solidFill>
+        <a:gradFill rotWithShape="1">
+          <a:gsLst>
+            <a:gs pos="0">
+              <a:schemeClr val="phClr">
+                <a:tint val="40000"/>
+                <a:satMod val="350000"/>
+              </a:schemeClr>
+            </a:gs>
+            <a:gs pos="40000">
+              <a:schemeClr val="phClr">
+                <a:tint val="45000"/>
+                <a:shade val="99000"/>
+                <a:satMod val="350000"/>
+              </a:schemeClr>
+            </a:gs>
+            <a:gs pos="100000">
+              <a:schemeClr val="phClr">
+                <a:shade val="20000"/>
+                <a:satMod val="255000"/>
+              </a:schemeClr>
+            </a:gs>
+          </a:gsLst>
+          <a:path path="circle">
+            <a:fillToRect l="50000" t="-80000" r="50000" b="180000"/>
+          </a:path>
+        </a:gradFill>
+        <a:gradFill rotWithShape="1">
+          <a:gsLst>
+            <a:gs pos="0">
+              <a:schemeClr val="phClr">
+                <a:tint val="80000"/>
+                <a:satMod val="300000"/>
+              </a:schemeClr>
+            </a:gs>
+            <a:gs pos="100000">
+              <a:schemeClr val="phClr">
+                <a:shade val="30000"/>
+                <a:satMod val="200000"/>
+              </a:schemeClr>
+            </a:gs>
+          </a:gsLst>
+          <a:path path="circle">
+            <a:fillToRect l="50000" t="50000" r="50000" b="50000"/>
+          </a:path>
+        </a:gradFill>
+      </a:bgFillStyleLst>
+    </a:fmtScheme>
+  </a:themeElements>
+</a:theme>
+</file>
+
+<file path=ppt/theme/theme2.xml><?xml version="1.0" encoding="utf-8"?>
 <a:theme xmlns:a="http://schemas.openxmlformats.org/drawingml/2006/main" xmlns:r="http://schemas.openxmlformats.org/officeDocument/2006/relationships" name="Elegant Black &amp; White Thesis Defense by Slidesgo">
   <a:themeElements>
     <a:clrScheme name="Simple Light">
@@ -36054,283 +37340,4 @@
     </a:fmtScheme>
   </a:themeElements>
 </a:theme>
-</file>
-
-<file path=ppt/theme/theme2.xml><?xml version="1.0" encoding="utf-8"?>
-<a:theme xmlns:a="http://schemas.openxmlformats.org/drawingml/2006/main" xmlns:r="http://schemas.openxmlformats.org/officeDocument/2006/relationships">
-  <a:themeElements>
-    <a:clrScheme name="Default">
-      <a:dk1>
-        <a:srgbClr val="000000"/>
-      </a:dk1>
-      <a:lt1>
-        <a:srgbClr val="FFFFFF"/>
-      </a:lt1>
-      <a:dk2>
-        <a:srgbClr val="158158"/>
-      </a:dk2>
-      <a:lt2>
-        <a:srgbClr val="F3F3F3"/>
-      </a:lt2>
-      <a:accent1>
-        <a:srgbClr val="058DC7"/>
-      </a:accent1>
-      <a:accent2>
-        <a:srgbClr val="50B432"/>
-      </a:accent2>
-      <a:accent3>
-        <a:srgbClr val="ED561B"/>
-      </a:accent3>
-      <a:accent4>
-        <a:srgbClr val="EDEF00"/>
-      </a:accent4>
-      <a:accent5>
-        <a:srgbClr val="24CBE5"/>
-      </a:accent5>
-      <a:accent6>
-        <a:srgbClr val="64E572"/>
-      </a:accent6>
-      <a:hlink>
-        <a:srgbClr val="2200CC"/>
-      </a:hlink>
-      <a:folHlink>
-        <a:srgbClr val="551A8B"/>
-      </a:folHlink>
-    </a:clrScheme>
-    <a:fontScheme name="Office">
-      <a:majorFont>
-        <a:latin typeface="Arial"/>
-        <a:ea typeface=""/>
-        <a:cs typeface=""/>
-        <a:font script="Jpan" typeface="ＭＳ Ｐゴシック"/>
-        <a:font script="Hang" typeface="맑은 고딕"/>
-        <a:font script="Hans" typeface="宋体"/>
-        <a:font script="Hant" typeface="新細明體"/>
-        <a:font script="Arab" typeface="Times New Roman"/>
-        <a:font script="Hebr" typeface="Times New Roman"/>
-        <a:font script="Thai" typeface="Angsana New"/>
-        <a:font script="Ethi" typeface="Nyala"/>
-        <a:font script="Beng" typeface="Vrinda"/>
-        <a:font script="Gujr" typeface="Shruti"/>
-        <a:font script="Khmr" typeface="MoolBoran"/>
-        <a:font script="Knda" typeface="Tunga"/>
-        <a:font script="Guru" typeface="Raavi"/>
-        <a:font script="Cans" typeface="Euphemia"/>
-        <a:font script="Cher" typeface="Plantagenet Cherokee"/>
-        <a:font script="Yiii" typeface="Microsoft Yi Baiti"/>
-        <a:font script="Tibt" typeface="Microsoft Himalaya"/>
-        <a:font script="Thaa" typeface="MV Boli"/>
-        <a:font script="Deva" typeface="Mangal"/>
-        <a:font script="Telu" typeface="Gautami"/>
-        <a:font script="Taml" typeface="Latha"/>
-        <a:font script="Syrc" typeface="Estrangelo Edessa"/>
-        <a:font script="Orya" typeface="Kalinga"/>
-        <a:font script="Mlym" typeface="Kartika"/>
-        <a:font script="Laoo" typeface="DokChampa"/>
-        <a:font script="Sinh" typeface="Iskoola Pota"/>
-        <a:font script="Mong" typeface="Mongolian Baiti"/>
-        <a:font script="Viet" typeface="Times New Roman"/>
-        <a:font script="Uigh" typeface="Microsoft Uighur"/>
-        <a:font script="Geor" typeface="Sylfaen"/>
-      </a:majorFont>
-      <a:minorFont>
-        <a:latin typeface="Arial"/>
-        <a:ea typeface=""/>
-        <a:cs typeface=""/>
-        <a:font script="Jpan" typeface="ＭＳ Ｐゴシック"/>
-        <a:font script="Hang" typeface="맑은 고딕"/>
-        <a:font script="Hans" typeface="宋体"/>
-        <a:font script="Hant" typeface="新細明體"/>
-        <a:font script="Arab" typeface="Arial"/>
-        <a:font script="Hebr" typeface="Arial"/>
-        <a:font script="Thai" typeface="Cordia New"/>
-        <a:font script="Ethi" typeface="Nyala"/>
-        <a:font script="Beng" typeface="Vrinda"/>
-        <a:font script="Gujr" typeface="Shruti"/>
-        <a:font script="Khmr" typeface="DaunPenh"/>
-        <a:font script="Knda" typeface="Tunga"/>
-        <a:font script="Guru" typeface="Raavi"/>
-        <a:font script="Cans" typeface="Euphemia"/>
-        <a:font script="Cher" typeface="Plantagenet Cherokee"/>
-        <a:font script="Yiii" typeface="Microsoft Yi Baiti"/>
-        <a:font script="Tibt" typeface="Microsoft Himalaya"/>
-        <a:font script="Thaa" typeface="MV Boli"/>
-        <a:font script="Deva" typeface="Mangal"/>
-        <a:font script="Telu" typeface="Gautami"/>
-        <a:font script="Taml" typeface="Latha"/>
-        <a:font script="Syrc" typeface="Estrangelo Edessa"/>
-        <a:font script="Orya" typeface="Kalinga"/>
-        <a:font script="Mlym" typeface="Kartika"/>
-        <a:font script="Laoo" typeface="DokChampa"/>
-        <a:font script="Sinh" typeface="Iskoola Pota"/>
-        <a:font script="Mong" typeface="Mongolian Baiti"/>
-        <a:font script="Viet" typeface="Arial"/>
-        <a:font script="Uigh" typeface="Microsoft Uighur"/>
-        <a:font script="Geor" typeface="Sylfaen"/>
-      </a:minorFont>
-    </a:fontScheme>
-    <a:fmtScheme name="Office">
-      <a:fillStyleLst>
-        <a:solidFill>
-          <a:schemeClr val="phClr"/>
-        </a:solidFill>
-        <a:gradFill rotWithShape="1">
-          <a:gsLst>
-            <a:gs pos="0">
-              <a:schemeClr val="phClr">
-                <a:tint val="50000"/>
-                <a:satMod val="300000"/>
-              </a:schemeClr>
-            </a:gs>
-            <a:gs pos="35000">
-              <a:schemeClr val="phClr">
-                <a:tint val="37000"/>
-                <a:satMod val="300000"/>
-              </a:schemeClr>
-            </a:gs>
-            <a:gs pos="100000">
-              <a:schemeClr val="phClr">
-                <a:tint val="15000"/>
-                <a:satMod val="350000"/>
-              </a:schemeClr>
-            </a:gs>
-          </a:gsLst>
-          <a:lin ang="16200000" scaled="1"/>
-        </a:gradFill>
-        <a:gradFill rotWithShape="1">
-          <a:gsLst>
-            <a:gs pos="0">
-              <a:schemeClr val="phClr">
-                <a:tint val="100000"/>
-                <a:shade val="100000"/>
-                <a:satMod val="130000"/>
-              </a:schemeClr>
-            </a:gs>
-            <a:gs pos="100000">
-              <a:schemeClr val="phClr">
-                <a:tint val="50000"/>
-                <a:shade val="100000"/>
-                <a:satMod val="350000"/>
-              </a:schemeClr>
-            </a:gs>
-          </a:gsLst>
-          <a:lin ang="16200000" scaled="0"/>
-        </a:gradFill>
-      </a:fillStyleLst>
-      <a:lnStyleLst>
-        <a:ln w="9525" cap="flat" cmpd="sng" algn="ctr">
-          <a:solidFill>
-            <a:schemeClr val="phClr">
-              <a:shade val="95000"/>
-              <a:satMod val="105000"/>
-            </a:schemeClr>
-          </a:solidFill>
-          <a:prstDash val="solid"/>
-        </a:ln>
-        <a:ln w="25400" cap="flat" cmpd="sng" algn="ctr">
-          <a:solidFill>
-            <a:schemeClr val="phClr"/>
-          </a:solidFill>
-          <a:prstDash val="solid"/>
-        </a:ln>
-        <a:ln w="38100" cap="flat" cmpd="sng" algn="ctr">
-          <a:solidFill>
-            <a:schemeClr val="phClr"/>
-          </a:solidFill>
-          <a:prstDash val="solid"/>
-        </a:ln>
-      </a:lnStyleLst>
-      <a:effectStyleLst>
-        <a:effectStyle>
-          <a:effectLst>
-            <a:outerShdw blurRad="40000" dist="20000" dir="5400000" rotWithShape="0">
-              <a:srgbClr val="000000">
-                <a:alpha val="38000"/>
-              </a:srgbClr>
-            </a:outerShdw>
-          </a:effectLst>
-        </a:effectStyle>
-        <a:effectStyle>
-          <a:effectLst>
-            <a:outerShdw blurRad="40000" dist="23000" dir="5400000" rotWithShape="0">
-              <a:srgbClr val="000000">
-                <a:alpha val="35000"/>
-              </a:srgbClr>
-            </a:outerShdw>
-          </a:effectLst>
-        </a:effectStyle>
-        <a:effectStyle>
-          <a:effectLst>
-            <a:outerShdw blurRad="40000" dist="23000" dir="5400000" rotWithShape="0">
-              <a:srgbClr val="000000">
-                <a:alpha val="35000"/>
-              </a:srgbClr>
-            </a:outerShdw>
-          </a:effectLst>
-          <a:scene3d>
-            <a:camera prst="orthographicFront">
-              <a:rot lat="0" lon="0" rev="0"/>
-            </a:camera>
-            <a:lightRig rig="threePt" dir="t">
-              <a:rot lat="0" lon="0" rev="1200000"/>
-            </a:lightRig>
-          </a:scene3d>
-          <a:sp3d>
-            <a:bevelT w="63500" h="25400"/>
-          </a:sp3d>
-        </a:effectStyle>
-      </a:effectStyleLst>
-      <a:bgFillStyleLst>
-        <a:solidFill>
-          <a:schemeClr val="phClr"/>
-        </a:solidFill>
-        <a:gradFill rotWithShape="1">
-          <a:gsLst>
-            <a:gs pos="0">
-              <a:schemeClr val="phClr">
-                <a:tint val="40000"/>
-                <a:satMod val="350000"/>
-              </a:schemeClr>
-            </a:gs>
-            <a:gs pos="40000">
-              <a:schemeClr val="phClr">
-                <a:tint val="45000"/>
-                <a:shade val="99000"/>
-                <a:satMod val="350000"/>
-              </a:schemeClr>
-            </a:gs>
-            <a:gs pos="100000">
-              <a:schemeClr val="phClr">
-                <a:shade val="20000"/>
-                <a:satMod val="255000"/>
-              </a:schemeClr>
-            </a:gs>
-          </a:gsLst>
-          <a:path path="circle">
-            <a:fillToRect l="50000" t="-80000" r="50000" b="180000"/>
-          </a:path>
-        </a:gradFill>
-        <a:gradFill rotWithShape="1">
-          <a:gsLst>
-            <a:gs pos="0">
-              <a:schemeClr val="phClr">
-                <a:tint val="80000"/>
-                <a:satMod val="300000"/>
-              </a:schemeClr>
-            </a:gs>
-            <a:gs pos="100000">
-              <a:schemeClr val="phClr">
-                <a:shade val="30000"/>
-                <a:satMod val="200000"/>
-              </a:schemeClr>
-            </a:gs>
-          </a:gsLst>
-          <a:path path="circle">
-            <a:fillToRect l="50000" t="50000" r="50000" b="50000"/>
-          </a:path>
-        </a:gradFill>
-      </a:bgFillStyleLst>
-    </a:fmtScheme>
-  </a:themeElements>
-</a:theme>
 </file>